--- a/lectures/5-Circumvention.pptx
+++ b/lectures/5-Circumvention.pptx
@@ -5,14 +5,14 @@
     <p:sldMasterId id="2147483648" r:id="rId1"/>
   </p:sldMasterIdLst>
   <p:notesMasterIdLst>
-    <p:notesMasterId r:id="rId57"/>
+    <p:notesMasterId r:id="rId55"/>
   </p:notesMasterIdLst>
   <p:sldIdLst>
     <p:sldId id="256" r:id="rId2"/>
     <p:sldId id="360" r:id="rId3"/>
-    <p:sldId id="361" r:id="rId4"/>
+    <p:sldId id="1298" r:id="rId4"/>
     <p:sldId id="266" r:id="rId5"/>
-    <p:sldId id="362" r:id="rId6"/>
+    <p:sldId id="1299" r:id="rId6"/>
     <p:sldId id="267" r:id="rId7"/>
     <p:sldId id="257" r:id="rId8"/>
     <p:sldId id="258" r:id="rId9"/>
@@ -26,12 +26,12 @@
     <p:sldId id="1260" r:id="rId17"/>
     <p:sldId id="1261" r:id="rId18"/>
     <p:sldId id="1262" r:id="rId19"/>
-    <p:sldId id="363" r:id="rId20"/>
+    <p:sldId id="1300" r:id="rId20"/>
     <p:sldId id="268" r:id="rId21"/>
     <p:sldId id="269" r:id="rId22"/>
     <p:sldId id="270" r:id="rId23"/>
     <p:sldId id="271" r:id="rId24"/>
-    <p:sldId id="364" r:id="rId25"/>
+    <p:sldId id="1301" r:id="rId25"/>
     <p:sldId id="373" r:id="rId26"/>
     <p:sldId id="366" r:id="rId27"/>
     <p:sldId id="265" r:id="rId28"/>
@@ -44,25 +44,23 @@
     <p:sldId id="284" r:id="rId35"/>
     <p:sldId id="275" r:id="rId36"/>
     <p:sldId id="370" r:id="rId37"/>
-    <p:sldId id="285" r:id="rId38"/>
-    <p:sldId id="371" r:id="rId39"/>
-    <p:sldId id="372" r:id="rId40"/>
-    <p:sldId id="294" r:id="rId41"/>
-    <p:sldId id="295" r:id="rId42"/>
-    <p:sldId id="290" r:id="rId43"/>
-    <p:sldId id="289" r:id="rId44"/>
-    <p:sldId id="286" r:id="rId45"/>
-    <p:sldId id="287" r:id="rId46"/>
-    <p:sldId id="293" r:id="rId47"/>
-    <p:sldId id="298" r:id="rId48"/>
-    <p:sldId id="1294" r:id="rId49"/>
-    <p:sldId id="1296" r:id="rId50"/>
-    <p:sldId id="1297" r:id="rId51"/>
-    <p:sldId id="365" r:id="rId52"/>
-    <p:sldId id="359" r:id="rId53"/>
-    <p:sldId id="292" r:id="rId54"/>
-    <p:sldId id="343" r:id="rId55"/>
-    <p:sldId id="358" r:id="rId56"/>
+    <p:sldId id="371" r:id="rId38"/>
+    <p:sldId id="372" r:id="rId39"/>
+    <p:sldId id="294" r:id="rId40"/>
+    <p:sldId id="295" r:id="rId41"/>
+    <p:sldId id="290" r:id="rId42"/>
+    <p:sldId id="289" r:id="rId43"/>
+    <p:sldId id="287" r:id="rId44"/>
+    <p:sldId id="293" r:id="rId45"/>
+    <p:sldId id="298" r:id="rId46"/>
+    <p:sldId id="1294" r:id="rId47"/>
+    <p:sldId id="1296" r:id="rId48"/>
+    <p:sldId id="1297" r:id="rId49"/>
+    <p:sldId id="1302" r:id="rId50"/>
+    <p:sldId id="359" r:id="rId51"/>
+    <p:sldId id="292" r:id="rId52"/>
+    <p:sldId id="343" r:id="rId53"/>
+    <p:sldId id="358" r:id="rId54"/>
   </p:sldIdLst>
   <p:sldSz cx="12192000" cy="6858000"/>
   <p:notesSz cx="6858000" cy="9144000"/>
@@ -251,7 +249,7 @@
           <a:p>
             <a:fld id="{CEDAEFA1-2302-CF41-B3D2-D7622FF3D015}" type="datetimeFigureOut">
               <a:rPr lang="en-US" smtClean="0"/>
-              <a:t>2/3/20</a:t>
+              <a:t>2/10/21</a:t>
             </a:fld>
             <a:endParaRPr lang="en-US"/>
           </a:p>
@@ -607,7 +605,7 @@
             </a:extLst>
           </p:cNvPr>
           <p:cNvSpPr txBox="1">
-            <a:spLocks noChangeArrowheads="1"/>
+            <a:spLocks noGrp="1" noChangeArrowheads="1"/>
           </p:cNvSpPr>
           <p:nvPr>
             <p:ph type="body"/>
@@ -850,120 +848,6 @@
       </p:grpSpPr>
       <p:sp>
         <p:nvSpPr>
-          <p:cNvPr id="2" name="Slide Image Placeholder 1"/>
-          <p:cNvSpPr>
-            <a:spLocks noGrp="1" noRot="1" noChangeAspect="1"/>
-          </p:cNvSpPr>
-          <p:nvPr>
-            <p:ph type="sldImg"/>
-          </p:nvPr>
-        </p:nvSpPr>
-        <p:spPr/>
-      </p:sp>
-      <p:sp>
-        <p:nvSpPr>
-          <p:cNvPr id="3" name="Notes Placeholder 2"/>
-          <p:cNvSpPr>
-            <a:spLocks noGrp="1"/>
-          </p:cNvSpPr>
-          <p:nvPr>
-            <p:ph type="body" idx="1"/>
-          </p:nvPr>
-        </p:nvSpPr>
-        <p:spPr/>
-        <p:txBody>
-          <a:bodyPr>
-            <a:normAutofit/>
-          </a:bodyPr>
-          <a:lstStyle/>
-          <a:p>
-            <a:pPr marL="228600" indent="-228600">
-              <a:buFont typeface="+mj-lt"/>
-              <a:buAutoNum type="arabicPeriod"/>
-            </a:pPr>
-            <a:r>
-              <a:rPr lang="en-US" dirty="0"/>
-              <a:t>“Ok, by now I have hopefully convinced</a:t>
-            </a:r>
-            <a:r>
-              <a:rPr lang="en-US" baseline="0" dirty="0"/>
-              <a:t> you that Internet censorship is an interesting problem and that we have a new idea that can help solve it.”</a:t>
-            </a:r>
-          </a:p>
-          <a:p>
-            <a:pPr marL="228600" indent="-228600">
-              <a:buFont typeface="+mj-lt"/>
-              <a:buAutoNum type="arabicPeriod"/>
-            </a:pPr>
-            <a:r>
-              <a:rPr lang="en-US" baseline="0" dirty="0"/>
-              <a:t>“I’m now going to explain how Collage works in detail. Afterward, I will discuss its performance and show a demonstration of an application written using Collage.”</a:t>
-            </a:r>
-            <a:endParaRPr lang="en-US" dirty="0"/>
-          </a:p>
-        </p:txBody>
-      </p:sp>
-      <p:sp>
-        <p:nvSpPr>
-          <p:cNvPr id="4" name="Slide Number Placeholder 3"/>
-          <p:cNvSpPr>
-            <a:spLocks noGrp="1"/>
-          </p:cNvSpPr>
-          <p:nvPr>
-            <p:ph type="sldNum" sz="quarter" idx="10"/>
-          </p:nvPr>
-        </p:nvSpPr>
-        <p:spPr/>
-        <p:txBody>
-          <a:bodyPr/>
-          <a:lstStyle/>
-          <a:p>
-            <a:pPr>
-              <a:defRPr/>
-            </a:pPr>
-            <a:fld id="{EA666BC8-9179-4C85-BBE8-D4FC51A8DBF0}" type="slidenum">
-              <a:rPr lang="en-US" smtClean="0"/>
-              <a:pPr>
-                <a:defRPr/>
-              </a:pPr>
-              <a:t>37</a:t>
-            </a:fld>
-            <a:endParaRPr lang="en-US"/>
-          </a:p>
-        </p:txBody>
-      </p:sp>
-    </p:spTree>
-    <p:extLst>
-      <p:ext uri="{BB962C8B-B14F-4D97-AF65-F5344CB8AC3E}">
-        <p14:creationId xmlns:p14="http://schemas.microsoft.com/office/powerpoint/2010/main" val="3840720513"/>
-      </p:ext>
-    </p:extLst>
-  </p:cSld>
-  <p:clrMapOvr>
-    <a:masterClrMapping/>
-  </p:clrMapOvr>
-</p:notes>
-</file>
-
-<file path=ppt/notesSlides/notesSlide12.xml><?xml version="1.0" encoding="utf-8"?>
-<p:notes xmlns:a="http://schemas.openxmlformats.org/drawingml/2006/main" xmlns:r="http://schemas.openxmlformats.org/officeDocument/2006/relationships" xmlns:p="http://schemas.openxmlformats.org/presentationml/2006/main">
-  <p:cSld>
-    <p:spTree>
-      <p:nvGrpSpPr>
-        <p:cNvPr id="1" name=""/>
-        <p:cNvGrpSpPr/>
-        <p:nvPr/>
-      </p:nvGrpSpPr>
-      <p:grpSpPr>
-        <a:xfrm>
-          <a:off x="0" y="0"/>
-          <a:ext cx="0" cy="0"/>
-          <a:chOff x="0" y="0"/>
-          <a:chExt cx="0" cy="0"/>
-        </a:xfrm>
-      </p:grpSpPr>
-      <p:sp>
-        <p:nvSpPr>
           <p:cNvPr id="30722" name="Slide Image Placeholder 1"/>
           <p:cNvSpPr>
             <a:spLocks noGrp="1" noRot="1" noChangeAspect="1" noTextEdit="1"/>
@@ -1189,7 +1073,7 @@
                   <a:spcPct val="0"/>
                 </a:spcAft>
               </a:pPr>
-              <a:t>38</a:t>
+              <a:t>37</a:t>
             </a:fld>
             <a:endParaRPr lang="en-US"/>
           </a:p>
@@ -1199,6 +1083,184 @@
     <p:extLst>
       <p:ext uri="{BB962C8B-B14F-4D97-AF65-F5344CB8AC3E}">
         <p14:creationId xmlns:p14="http://schemas.microsoft.com/office/powerpoint/2010/main" val="3100045964"/>
+      </p:ext>
+    </p:extLst>
+  </p:cSld>
+  <p:clrMapOvr>
+    <a:masterClrMapping/>
+  </p:clrMapOvr>
+</p:notes>
+</file>
+
+<file path=ppt/notesSlides/notesSlide12.xml><?xml version="1.0" encoding="utf-8"?>
+<p:notes xmlns:a="http://schemas.openxmlformats.org/drawingml/2006/main" xmlns:r="http://schemas.openxmlformats.org/officeDocument/2006/relationships" xmlns:p="http://schemas.openxmlformats.org/presentationml/2006/main">
+  <p:cSld>
+    <p:spTree>
+      <p:nvGrpSpPr>
+        <p:cNvPr id="1" name=""/>
+        <p:cNvGrpSpPr/>
+        <p:nvPr/>
+      </p:nvGrpSpPr>
+      <p:grpSpPr>
+        <a:xfrm>
+          <a:off x="0" y="0"/>
+          <a:ext cx="0" cy="0"/>
+          <a:chOff x="0" y="0"/>
+          <a:chExt cx="0" cy="0"/>
+        </a:xfrm>
+      </p:grpSpPr>
+      <p:sp>
+        <p:nvSpPr>
+          <p:cNvPr id="2" name="Slide Image Placeholder 1"/>
+          <p:cNvSpPr>
+            <a:spLocks noGrp="1" noRot="1" noChangeAspect="1"/>
+          </p:cNvSpPr>
+          <p:nvPr>
+            <p:ph type="sldImg"/>
+          </p:nvPr>
+        </p:nvSpPr>
+        <p:spPr/>
+      </p:sp>
+      <p:sp>
+        <p:nvSpPr>
+          <p:cNvPr id="3" name="Notes Placeholder 2"/>
+          <p:cNvSpPr>
+            <a:spLocks noGrp="1"/>
+          </p:cNvSpPr>
+          <p:nvPr>
+            <p:ph type="body" idx="1"/>
+          </p:nvPr>
+        </p:nvSpPr>
+        <p:spPr/>
+        <p:txBody>
+          <a:bodyPr>
+            <a:normAutofit/>
+          </a:bodyPr>
+          <a:lstStyle/>
+          <a:p>
+            <a:pPr marL="228600" indent="-228600">
+              <a:buFont typeface="+mj-lt"/>
+              <a:buAutoNum type="arabicPeriod"/>
+            </a:pPr>
+            <a:r>
+              <a:rPr lang="en-US" dirty="0"/>
+              <a:t>“First I’m going to discuss how Bob embeds his</a:t>
+            </a:r>
+            <a:r>
+              <a:rPr lang="en-US" baseline="0" dirty="0"/>
+              <a:t> message into his vectors.”</a:t>
+            </a:r>
+          </a:p>
+          <a:p>
+            <a:pPr marL="228600" indent="-228600">
+              <a:buFont typeface="+mj-lt"/>
+              <a:buAutoNum type="arabicPeriod"/>
+            </a:pPr>
+            <a:r>
+              <a:rPr lang="en-US" baseline="0" dirty="0"/>
+              <a:t>“First, he encrypts the message using the message identifier. Because we assumed that only Alice and Bob know the identifier, this prevents adversaries from recovering the message.”</a:t>
+            </a:r>
+          </a:p>
+          <a:p>
+            <a:pPr marL="228600" indent="-228600">
+              <a:buFont typeface="+mj-lt"/>
+              <a:buAutoNum type="arabicPeriod"/>
+            </a:pPr>
+            <a:r>
+              <a:rPr lang="en-US" baseline="0" dirty="0"/>
+              <a:t>“Next Bob runs the message through a </a:t>
+            </a:r>
+            <a:r>
+              <a:rPr lang="en-US" baseline="0" dirty="0" err="1"/>
+              <a:t>rateless</a:t>
+            </a:r>
+            <a:r>
+              <a:rPr lang="en-US" baseline="0" dirty="0"/>
+              <a:t> erasure coder. This will generate a large set of chunks, such that Alice can retrieve </a:t>
+            </a:r>
+            <a:r>
+              <a:rPr lang="en-US" i="1" baseline="0" dirty="0"/>
+              <a:t>any</a:t>
+            </a:r>
+            <a:r>
+              <a:rPr lang="en-US" baseline="0" dirty="0"/>
+              <a:t>  smaller subset of these chunks and reconstruct the original message. For example, Bob might generate a thousand chunks, but Alice might only need 50 of them to recover the message.”</a:t>
+            </a:r>
+          </a:p>
+          <a:p>
+            <a:pPr marL="228600" indent="-228600">
+              <a:buFont typeface="+mj-lt"/>
+              <a:buAutoNum type="arabicPeriod"/>
+            </a:pPr>
+            <a:r>
+              <a:rPr lang="en-US" baseline="0" dirty="0"/>
+              <a:t>“Next, Bob embeds chunks into his vectors using information hiding techniques. The goal of this step is to store the chunks inside the vectors without visibly changing the cover vector. With </a:t>
+            </a:r>
+            <a:r>
+              <a:rPr lang="en-US" baseline="0" dirty="0" err="1"/>
+              <a:t>steganography</a:t>
+            </a:r>
+            <a:r>
+              <a:rPr lang="en-US" baseline="0" dirty="0"/>
+              <a:t>, the goal is to hide the existence of chunks, while in watermarking it is to make these chunks difficult to remove. I emphasize that the purpose of using information hiding is to store censored data into the vectors.”</a:t>
+            </a:r>
+          </a:p>
+          <a:p>
+            <a:pPr marL="228600" indent="-228600">
+              <a:buFont typeface="+mj-lt"/>
+              <a:buAutoNum type="arabicPeriod"/>
+            </a:pPr>
+            <a:r>
+              <a:rPr lang="en-US" baseline="0" dirty="0"/>
+              <a:t>“In step 7, after Alice downloads the vectors she performs the reverse operations to recover the message.”</a:t>
+            </a:r>
+          </a:p>
+          <a:p>
+            <a:pPr marL="228600" indent="-228600">
+              <a:buFont typeface="+mj-lt"/>
+              <a:buAutoNum type="arabicPeriod"/>
+            </a:pPr>
+            <a:r>
+              <a:rPr lang="en-US" baseline="0" dirty="0"/>
+              <a:t>“The nice thing to notice about this scheme is that by using erasure coding, we ensure a level of robustness, since Alice will only need to obtain some subset of Bob’s vectors in order to recover the message.”</a:t>
+            </a:r>
+            <a:endParaRPr lang="en-US" dirty="0"/>
+          </a:p>
+        </p:txBody>
+      </p:sp>
+      <p:sp>
+        <p:nvSpPr>
+          <p:cNvPr id="4" name="Slide Number Placeholder 3"/>
+          <p:cNvSpPr>
+            <a:spLocks noGrp="1"/>
+          </p:cNvSpPr>
+          <p:nvPr>
+            <p:ph type="sldNum" sz="quarter" idx="10"/>
+          </p:nvPr>
+        </p:nvSpPr>
+        <p:spPr/>
+        <p:txBody>
+          <a:bodyPr/>
+          <a:lstStyle/>
+          <a:p>
+            <a:pPr>
+              <a:defRPr/>
+            </a:pPr>
+            <a:fld id="{EA666BC8-9179-4C85-BBE8-D4FC51A8DBF0}" type="slidenum">
+              <a:rPr lang="en-US" smtClean="0"/>
+              <a:pPr>
+                <a:defRPr/>
+              </a:pPr>
+              <a:t>38</a:t>
+            </a:fld>
+            <a:endParaRPr lang="en-US"/>
+          </a:p>
+        </p:txBody>
+      </p:sp>
+    </p:spTree>
+    <p:extLst>
+      <p:ext uri="{BB962C8B-B14F-4D97-AF65-F5344CB8AC3E}">
+        <p14:creationId xmlns:p14="http://schemas.microsoft.com/office/powerpoint/2010/main" val="1430677453"/>
       </p:ext>
     </p:extLst>
   </p:cSld>
@@ -1260,11 +1322,11 @@
             </a:pPr>
             <a:r>
               <a:rPr lang="en-US" dirty="0"/>
-              <a:t>“First I’m going to discuss how Bob embeds his</a:t>
+              <a:t>“Now, going back to Bob, after he </a:t>
             </a:r>
             <a:r>
               <a:rPr lang="en-US" baseline="0" dirty="0"/>
-              <a:t> message into his vectors.”</a:t>
+              <a:t>embeds the message in his vectors, he uploads them to a content host. The question now is how does Alice find these vectors. It’s not as simple as it might sound. Without guidance, she might have to crawl the entire content host, or even several content hosts, before finding Bob’s vectors. Clearly, that’s impractical.”</a:t>
             </a:r>
           </a:p>
           <a:p>
@@ -1274,73 +1336,8 @@
             </a:pPr>
             <a:r>
               <a:rPr lang="en-US" baseline="0" dirty="0"/>
-              <a:t>“First, he encrypts the message using the message identifier. Because we assumed that only Alice and Bob know the identifier, this prevents adversaries from recovering the message.”</a:t>
-            </a:r>
-          </a:p>
-          <a:p>
-            <a:pPr marL="228600" indent="-228600">
-              <a:buFont typeface="+mj-lt"/>
-              <a:buAutoNum type="arabicPeriod"/>
-            </a:pPr>
-            <a:r>
-              <a:rPr lang="en-US" baseline="0" dirty="0"/>
-              <a:t>“Next Bob runs the message through a </a:t>
-            </a:r>
-            <a:r>
-              <a:rPr lang="en-US" baseline="0" dirty="0" err="1"/>
-              <a:t>rateless</a:t>
-            </a:r>
-            <a:r>
-              <a:rPr lang="en-US" baseline="0" dirty="0"/>
-              <a:t> erasure coder. This will generate a large set of chunks, such that Alice can retrieve </a:t>
-            </a:r>
-            <a:r>
-              <a:rPr lang="en-US" i="1" baseline="0" dirty="0"/>
-              <a:t>any</a:t>
-            </a:r>
-            <a:r>
-              <a:rPr lang="en-US" baseline="0" dirty="0"/>
-              <a:t>  smaller subset of these chunks and reconstruct the original message. For example, Bob might generate a thousand chunks, but Alice might only need 50 of them to recover the message.”</a:t>
-            </a:r>
-          </a:p>
-          <a:p>
-            <a:pPr marL="228600" indent="-228600">
-              <a:buFont typeface="+mj-lt"/>
-              <a:buAutoNum type="arabicPeriod"/>
-            </a:pPr>
-            <a:r>
-              <a:rPr lang="en-US" baseline="0" dirty="0"/>
-              <a:t>“Next, Bob embeds chunks into his vectors using information hiding techniques. The goal of this step is to store the chunks inside the vectors without visibly changing the cover vector. With </a:t>
-            </a:r>
-            <a:r>
-              <a:rPr lang="en-US" baseline="0" dirty="0" err="1"/>
-              <a:t>steganography</a:t>
-            </a:r>
-            <a:r>
-              <a:rPr lang="en-US" baseline="0" dirty="0"/>
-              <a:t>, the goal is to hide the existence of chunks, while in watermarking it is to make these chunks difficult to remove. I emphasize that the purpose of using information hiding is to store censored data into the vectors.”</a:t>
-            </a:r>
-          </a:p>
-          <a:p>
-            <a:pPr marL="228600" indent="-228600">
-              <a:buFont typeface="+mj-lt"/>
-              <a:buAutoNum type="arabicPeriod"/>
-            </a:pPr>
-            <a:r>
-              <a:rPr lang="en-US" baseline="0" dirty="0"/>
-              <a:t>“In step 7, after Alice downloads the vectors she performs the reverse operations to recover the message.”</a:t>
-            </a:r>
-          </a:p>
-          <a:p>
-            <a:pPr marL="228600" indent="-228600">
-              <a:buFont typeface="+mj-lt"/>
-              <a:buAutoNum type="arabicPeriod"/>
-            </a:pPr>
-            <a:r>
-              <a:rPr lang="en-US" baseline="0" dirty="0"/>
-              <a:t>“The nice thing to notice about this scheme is that by using erasure coding, we ensure a level of robustness, since Alice will only need to obtain some subset of Bob’s vectors in order to recover the message.”</a:t>
-            </a:r>
-            <a:endParaRPr lang="en-US" dirty="0"/>
+              <a:t>“The solution is an algorithm that Bob and Alice can use to identify a small subset of a content host.”</a:t>
+            </a:r>
           </a:p>
         </p:txBody>
       </p:sp>
@@ -1376,7 +1373,7 @@
     </p:spTree>
     <p:extLst>
       <p:ext uri="{BB962C8B-B14F-4D97-AF65-F5344CB8AC3E}">
-        <p14:creationId xmlns:p14="http://schemas.microsoft.com/office/powerpoint/2010/main" val="1430677453"/>
+        <p14:creationId xmlns:p14="http://schemas.microsoft.com/office/powerpoint/2010/main" val="2733249104"/>
       </p:ext>
     </p:extLst>
   </p:cSld>
@@ -1438,11 +1435,27 @@
             </a:pPr>
             <a:r>
               <a:rPr lang="en-US" dirty="0"/>
-              <a:t>“Now, going back to Bob, after he </a:t>
+              <a:t>“Our algorithm</a:t>
             </a:r>
             <a:r>
               <a:rPr lang="en-US" baseline="0" dirty="0"/>
-              <a:t>embeds the message in his vectors, he uploads them to a content host. The question now is how does Alice find these vectors. It’s not as simple as it might sound. Without guidance, she might have to crawl the entire content host, or even several content hosts, before finding Bob’s vectors. Clearly, that’s impractical.”</a:t>
+              <a:t> is called </a:t>
+            </a:r>
+            <a:r>
+              <a:rPr lang="en-US" i="1" baseline="0" dirty="0"/>
+              <a:t>task mapping</a:t>
+            </a:r>
+            <a:r>
+              <a:rPr lang="en-US" i="0" baseline="0" dirty="0"/>
+              <a:t>. It produces a list of actions, which we call </a:t>
+            </a:r>
+            <a:r>
+              <a:rPr lang="en-US" i="1" baseline="0" dirty="0"/>
+              <a:t>tasks,</a:t>
+            </a:r>
+            <a:r>
+              <a:rPr lang="en-US" i="0" baseline="0" dirty="0"/>
+              <a:t> that specify a set of vectors on the content host.”</a:t>
             </a:r>
           </a:p>
           <a:p>
@@ -1451,9 +1464,81 @@
               <a:buAutoNum type="arabicPeriod"/>
             </a:pPr>
             <a:r>
+              <a:rPr lang="en-US" i="0" baseline="0" dirty="0"/>
+              <a:t>“To begin, we hash the message identifier. For example, the message identifier nytimes.com might hash to 1. Next, assuming that Alice and Bob both have a collection of tasks, we get the hashes of each task. We hash the identifier and the tasks to the same message space, so we can map the message identifier to a set of tasks by, for example, picking the next two tasks in the space.”</a:t>
+            </a:r>
+          </a:p>
+          <a:p>
+            <a:pPr marL="228600" indent="-228600">
+              <a:buFont typeface="+mj-lt"/>
+              <a:buAutoNum type="arabicPeriod"/>
+            </a:pPr>
+            <a:r>
+              <a:rPr lang="en-US" i="0" baseline="0" dirty="0"/>
+              <a:t>“These tasks are actions that Alice can perform to get some vectors on the content host. For example, a task might be to search for </a:t>
+            </a:r>
+            <a:r>
+              <a:rPr lang="en-US" i="1" baseline="0" dirty="0"/>
+              <a:t>blue flowers</a:t>
+            </a:r>
+            <a:r>
+              <a:rPr lang="en-US" i="0" baseline="0" dirty="0"/>
+              <a:t> on </a:t>
+            </a:r>
+            <a:r>
+              <a:rPr lang="en-US" i="0" baseline="0" dirty="0" err="1"/>
+              <a:t>Flickr</a:t>
+            </a:r>
+            <a:r>
+              <a:rPr lang="en-US" i="0" baseline="0" dirty="0"/>
+              <a:t>.”</a:t>
+            </a:r>
+          </a:p>
+          <a:p>
+            <a:pPr marL="228600" indent="-228600">
+              <a:buFont typeface="+mj-lt"/>
+              <a:buAutoNum type="arabicPeriod"/>
+            </a:pPr>
+            <a:r>
+              <a:rPr lang="en-US" i="0" baseline="0" dirty="0"/>
+              <a:t>“Bob must upload vectors so that Alice will find them when she performs these tasks. Therefore, if Alice searches for pictures of blue flowers on </a:t>
+            </a:r>
+            <a:r>
+              <a:rPr lang="en-US" i="0" baseline="0" dirty="0" err="1"/>
+              <a:t>Flickr</a:t>
+            </a:r>
+            <a:r>
+              <a:rPr lang="en-US" i="0" baseline="0" dirty="0"/>
+              <a:t>, then Bob should upload pictures of blue flowers.”</a:t>
+            </a:r>
+          </a:p>
+          <a:p>
+            <a:pPr marL="228600" marR="0" indent="-228600" algn="l" defTabSz="914400" rtl="0" eaLnBrk="1" fontAlgn="base" latinLnBrk="0" hangingPunct="1">
+              <a:lnSpc>
+                <a:spcPct val="100000"/>
+              </a:lnSpc>
+              <a:spcBef>
+                <a:spcPct val="30000"/>
+              </a:spcBef>
+              <a:spcAft>
+                <a:spcPct val="0"/>
+              </a:spcAft>
+              <a:buClrTx/>
+              <a:buSzTx/>
+              <a:buFont typeface="+mj-lt"/>
+              <a:buAutoNum type="arabicPeriod"/>
+              <a:tabLst/>
+              <a:defRPr/>
+            </a:pPr>
+            <a:r>
+              <a:rPr lang="en-US" dirty="0"/>
+              <a:t>“Ok, so</a:t>
+            </a:r>
+            <a:r>
               <a:rPr lang="en-US" baseline="0" dirty="0"/>
-              <a:t>“The solution is an algorithm that Bob and Alice can use to identify a small subset of a content host.”</a:t>
-            </a:r>
+              <a:t> to recap, if Bob wants to send Alice a message using Collage, he picks a message identifier and embeds the message into a set of vectors using erasure coding and information hiding. He then performs task mapping using the message identifier to discover where to upload the vectors. After he’s uploaded them, Alice will also perform task mapping to get a set of tasks that will yield Bob’s vectors.”</a:t>
+            </a:r>
+            <a:endParaRPr lang="en-US" dirty="0"/>
           </a:p>
         </p:txBody>
       </p:sp>
@@ -1489,7 +1574,7 @@
     </p:spTree>
     <p:extLst>
       <p:ext uri="{BB962C8B-B14F-4D97-AF65-F5344CB8AC3E}">
-        <p14:creationId xmlns:p14="http://schemas.microsoft.com/office/powerpoint/2010/main" val="2733249104"/>
+        <p14:creationId xmlns:p14="http://schemas.microsoft.com/office/powerpoint/2010/main" val="2582570358"/>
       </p:ext>
     </p:extLst>
   </p:cSld>
@@ -1551,27 +1636,11 @@
             </a:pPr>
             <a:r>
               <a:rPr lang="en-US" dirty="0"/>
-              <a:t>“Our algorithm</a:t>
+              <a:t>“Let’s</a:t>
             </a:r>
             <a:r>
               <a:rPr lang="en-US" baseline="0" dirty="0"/>
-              <a:t> is called </a:t>
-            </a:r>
-            <a:r>
-              <a:rPr lang="en-US" i="1" baseline="0" dirty="0"/>
-              <a:t>task mapping</a:t>
-            </a:r>
-            <a:r>
-              <a:rPr lang="en-US" i="0" baseline="0" dirty="0"/>
-              <a:t>. It produces a list of actions, which we call </a:t>
-            </a:r>
-            <a:r>
-              <a:rPr lang="en-US" i="1" baseline="0" dirty="0"/>
-              <a:t>tasks,</a:t>
-            </a:r>
-            <a:r>
-              <a:rPr lang="en-US" i="0" baseline="0" dirty="0"/>
-              <a:t> that specify a set of vectors on the content host.”</a:t>
+              <a:t> take a step back and see if Collage meets the design goals I proposed at the beginning of the talk.”</a:t>
             </a:r>
           </a:p>
           <a:p>
@@ -1580,8 +1649,8 @@
               <a:buAutoNum type="arabicPeriod"/>
             </a:pPr>
             <a:r>
-              <a:rPr lang="en-US" i="0" baseline="0" dirty="0"/>
-              <a:t>“To begin, we hash the message identifier. For example, the message identifier nytimes.com might hash to 1. Next, assuming that Alice and Bob both have a collection of tasks, we get the hashes of each task. We hash the identifier and the tasks to the same message space, so we can map the message identifier to a set of tasks by, for example, picking the next two tasks in the space.”</a:t>
+              <a:rPr lang="en-US" baseline="0" dirty="0"/>
+              <a:t>“First, because Collage uses erasure coding and an assortment of content hosts, messages are robust to blocking. Even if a censor blocks some vectors and content hosts, receivers can recover the message by fetching the remaining vectors from the remaining content hosts.”</a:t>
             </a:r>
           </a:p>
           <a:p>
@@ -1590,24 +1659,8 @@
               <a:buAutoNum type="arabicPeriod"/>
             </a:pPr>
             <a:r>
-              <a:rPr lang="en-US" i="0" baseline="0" dirty="0"/>
-              <a:t>“These tasks are actions that Alice can perform to get some vectors on the content host. For example, a task might be to search for </a:t>
-            </a:r>
-            <a:r>
-              <a:rPr lang="en-US" i="1" baseline="0" dirty="0"/>
-              <a:t>blue flowers</a:t>
-            </a:r>
-            <a:r>
-              <a:rPr lang="en-US" i="0" baseline="0" dirty="0"/>
-              <a:t> on </a:t>
-            </a:r>
-            <a:r>
-              <a:rPr lang="en-US" i="0" baseline="0" dirty="0" err="1"/>
-              <a:t>Flickr</a:t>
-            </a:r>
-            <a:r>
-              <a:rPr lang="en-US" i="0" baseline="0" dirty="0"/>
-              <a:t>.”</a:t>
+              <a:rPr lang="en-US" baseline="0" dirty="0"/>
+              <a:t>“Second, at least at first glance Collage users generate deniable traffic because they only upload and download content from user-generated content hosts. However, the real-world deniability depends a lot on the types of tasks they perform and how frequently they perform them. Specifically, we provide a framework with which you can construct deniable applications.”</a:t>
             </a:r>
           </a:p>
           <a:p>
@@ -1616,43 +1669,8 @@
               <a:buAutoNum type="arabicPeriod"/>
             </a:pPr>
             <a:r>
-              <a:rPr lang="en-US" i="0" baseline="0" dirty="0"/>
-              <a:t>“Bob must upload vectors so that Alice will find them when she performs these tasks. Therefore, if Alice searches for pictures of blue flowers on </a:t>
-            </a:r>
-            <a:r>
-              <a:rPr lang="en-US" i="0" baseline="0" dirty="0" err="1"/>
-              <a:t>Flickr</a:t>
-            </a:r>
-            <a:r>
-              <a:rPr lang="en-US" i="0" baseline="0" dirty="0"/>
-              <a:t>, then Bob should upload pictures of blue flowers.”</a:t>
-            </a:r>
-          </a:p>
-          <a:p>
-            <a:pPr marL="228600" marR="0" indent="-228600" algn="l" defTabSz="914400" rtl="0" eaLnBrk="1" fontAlgn="base" latinLnBrk="0" hangingPunct="1">
-              <a:lnSpc>
-                <a:spcPct val="100000"/>
-              </a:lnSpc>
-              <a:spcBef>
-                <a:spcPct val="30000"/>
-              </a:spcBef>
-              <a:spcAft>
-                <a:spcPct val="0"/>
-              </a:spcAft>
-              <a:buClrTx/>
-              <a:buSzTx/>
-              <a:buFont typeface="+mj-lt"/>
-              <a:buAutoNum type="arabicPeriod"/>
-              <a:tabLst/>
-              <a:defRPr/>
-            </a:pPr>
-            <a:r>
-              <a:rPr lang="en-US" dirty="0"/>
-              <a:t>“Ok, so</a:t>
-            </a:r>
-            <a:r>
               <a:rPr lang="en-US" baseline="0" dirty="0"/>
-              <a:t> to recap, if Bob wants to send Alice a message using Collage, he picks a message identifier and embeds the message into a set of vectors using erasure coding and information hiding. He then performs task mapping using the message identifier to discover where to upload the vectors. After he’s uploaded them, Alice will also perform task mapping to get a set of tasks that will yield Bob’s vectors.”</a:t>
+              <a:t>“Finally, Collage relies on user-generated content hosts to store transfer messages and so requires no dedicated infrastructure.”</a:t>
             </a:r>
             <a:endParaRPr lang="en-US" dirty="0"/>
           </a:p>
@@ -1690,7 +1708,7 @@
     </p:spTree>
     <p:extLst>
       <p:ext uri="{BB962C8B-B14F-4D97-AF65-F5344CB8AC3E}">
-        <p14:creationId xmlns:p14="http://schemas.microsoft.com/office/powerpoint/2010/main" val="2582570358"/>
+        <p14:creationId xmlns:p14="http://schemas.microsoft.com/office/powerpoint/2010/main" val="858459325"/>
       </p:ext>
     </p:extLst>
   </p:cSld>
@@ -1752,11 +1770,11 @@
             </a:pPr>
             <a:r>
               <a:rPr lang="en-US" dirty="0"/>
-              <a:t>“Let’s</a:t>
+              <a:t>“So</a:t>
             </a:r>
             <a:r>
               <a:rPr lang="en-US" baseline="0" dirty="0"/>
-              <a:t> take a step back and see if Collage meets the design goals I proposed at the beginning of the talk.”</a:t>
+              <a:t> you may be wondering how users actually begin using Collage.”</a:t>
             </a:r>
           </a:p>
           <a:p>
@@ -1766,7 +1784,7 @@
             </a:pPr>
             <a:r>
               <a:rPr lang="en-US" baseline="0" dirty="0"/>
-              <a:t>“First, because Collage uses erasure coding and an assortment of content hosts, messages are robust to blocking. Even if a censor blocks some vectors and content hosts, receivers can recover the message by fetching the remaining vectors from the remaining content hosts.”</a:t>
+              <a:t>“If a users want to send messages using Collage, they must get a hold of the Collage software. They must do this out of band, such as from a CD, from Spam e-mail, by bringing their computer to a secure network.”</a:t>
             </a:r>
           </a:p>
           <a:p>
@@ -1776,7 +1794,7 @@
             </a:pPr>
             <a:r>
               <a:rPr lang="en-US" baseline="0" dirty="0"/>
-              <a:t>“Second, at least at first glance Collage users generate deniable traffic because they only upload and download content from user-generated content hosts. However, the real-world deniability depends a lot on the types of tasks they perform and how frequently they perform them. Specifically, we provide a framework with which you can construct deniable applications.”</a:t>
+              <a:t>“Because content hosts are dynamic by nature, users may also periodically need to update their list of tasks as tasks become invalid or new tasks become available. They might receive these updates using Collage itself or they could derive their tasks from some online resource such as a publically available list of popular search terms.”</a:t>
             </a:r>
           </a:p>
           <a:p>
@@ -1786,9 +1804,8 @@
             </a:pPr>
             <a:r>
               <a:rPr lang="en-US" baseline="0" dirty="0"/>
-              <a:t>“Finally, Collage relies on user-generated content hosts to store transfer messages and so requires no dedicated infrastructure.”</a:t>
-            </a:r>
-            <a:endParaRPr lang="en-US" dirty="0"/>
+              <a:t>“Finally, as we said before, Alice and Bob must agree on a message identifier for each message. There are application-specific algorithms for agreeing on message identifiers ahead of time. For example, using the date or a rotation scheme. We discuss this much more in the paper.”</a:t>
+            </a:r>
           </a:p>
         </p:txBody>
       </p:sp>
@@ -1824,7 +1841,7 @@
     </p:spTree>
     <p:extLst>
       <p:ext uri="{BB962C8B-B14F-4D97-AF65-F5344CB8AC3E}">
-        <p14:creationId xmlns:p14="http://schemas.microsoft.com/office/powerpoint/2010/main" val="858459325"/>
+        <p14:creationId xmlns:p14="http://schemas.microsoft.com/office/powerpoint/2010/main" val="3824628276"/>
       </p:ext>
     </p:extLst>
   </p:cSld>
@@ -1886,11 +1903,11 @@
             </a:pPr>
             <a:r>
               <a:rPr lang="en-US" dirty="0"/>
-              <a:t>“So</a:t>
+              <a:t>“We care about </a:t>
             </a:r>
             <a:r>
               <a:rPr lang="en-US" baseline="0" dirty="0"/>
-              <a:t> you may be wondering how users actually begin using Collage.”</a:t>
+              <a:t>three performance metrics for collage: The traffic overhead and overall transfer times required by Alice and Bob, and the amount of storage required on content hosts.”</a:t>
             </a:r>
           </a:p>
           <a:p>
@@ -1900,7 +1917,7 @@
             </a:pPr>
             <a:r>
               <a:rPr lang="en-US" baseline="0" dirty="0"/>
-              <a:t>“If a users want to send messages using Collage, they must get a hold of the Collage software. They must do this out of band, such as from a CD, from Spam e-mail, by bringing their computer to a secure network.”</a:t>
+              <a:t>“Unfortunately, I can’t give you concrete numbers for these metrics in the general case because the implementation details of each application and content host vary so widely.”</a:t>
             </a:r>
           </a:p>
           <a:p>
@@ -1910,18 +1927,9 @@
             </a:pPr>
             <a:r>
               <a:rPr lang="en-US" baseline="0" dirty="0"/>
-              <a:t>“Because content hosts are dynamic by nature, users may also periodically need to update their list of tasks as tasks become invalid or new tasks become available. They might receive these updates using Collage itself or they could derive their tasks from some online resource such as a publically available list of popular search terms.”</a:t>
-            </a:r>
-          </a:p>
-          <a:p>
-            <a:pPr marL="228600" indent="-228600">
-              <a:buFont typeface="+mj-lt"/>
-              <a:buAutoNum type="arabicPeriod"/>
-            </a:pPr>
-            <a:r>
-              <a:rPr lang="en-US" baseline="0" dirty="0"/>
-              <a:t>“Finally, as we said before, Alice and Bob must agree on a message identifier for each message. There are application-specific algorithms for agreeing on message identifiers ahead of time. For example, using the date or a rotation scheme. We discuss this much more in the paper.”</a:t>
-            </a:r>
+              <a:t>“Instead, I’ll show you performance metrics for two example applications.”</a:t>
+            </a:r>
+            <a:endParaRPr lang="en-US" dirty="0"/>
           </a:p>
         </p:txBody>
       </p:sp>
@@ -1957,7 +1965,7 @@
     </p:spTree>
     <p:extLst>
       <p:ext uri="{BB962C8B-B14F-4D97-AF65-F5344CB8AC3E}">
-        <p14:creationId xmlns:p14="http://schemas.microsoft.com/office/powerpoint/2010/main" val="3824628276"/>
+        <p14:creationId xmlns:p14="http://schemas.microsoft.com/office/powerpoint/2010/main" val="2988100134"/>
       </p:ext>
     </p:extLst>
   </p:cSld>
@@ -2019,7 +2027,27 @@
             </a:pPr>
             <a:r>
               <a:rPr lang="en-US" dirty="0"/>
-              <a:t>“At this point I’m done discussing how Collage works.”</a:t>
+              <a:t>“The first application embeds news articles </a:t>
+            </a:r>
+            <a:r>
+              <a:rPr lang="en-US" baseline="0" dirty="0"/>
+              <a:t>inside photos hosted on </a:t>
+            </a:r>
+            <a:r>
+              <a:rPr lang="en-US" baseline="0" dirty="0" err="1"/>
+              <a:t>Flickr</a:t>
+            </a:r>
+            <a:r>
+              <a:rPr lang="en-US" baseline="0" dirty="0"/>
+              <a:t>. For a 30 kilobyte message, we require 5 photographs and use about 7 megabytes of traffic over 6 minutes. A main cause of the large overhead for </a:t>
+            </a:r>
+            <a:r>
+              <a:rPr lang="en-US" baseline="0" dirty="0" err="1"/>
+              <a:t>Flickr</a:t>
+            </a:r>
+            <a:r>
+              <a:rPr lang="en-US" baseline="0" dirty="0"/>
+              <a:t> are extra advertisements and photo thumbnails.”</a:t>
             </a:r>
           </a:p>
           <a:p>
@@ -2028,12 +2056,36 @@
               <a:buAutoNum type="arabicPeriod"/>
             </a:pPr>
             <a:r>
-              <a:rPr lang="en-US" dirty="0"/>
-              <a:t>“Now I’m going to discuss </a:t>
-            </a:r>
-            <a:r>
               <a:rPr lang="en-US" baseline="0" dirty="0"/>
-              <a:t>Collage’s performance and show you a short demo.”</a:t>
+              <a:t>“The second application stores covert tweets inside other tweets on Twitter. To send a single 140 byte message, we need 30 tweets and under 2 megabytes of traffic. We spread out the posting of these tweets over the span of an hour to more closely approximate real Twitter usage.”</a:t>
+            </a:r>
+          </a:p>
+          <a:p>
+            <a:pPr marL="228600" indent="-228600">
+              <a:buFont typeface="+mj-lt"/>
+              <a:buAutoNum type="arabicPeriod"/>
+            </a:pPr>
+            <a:r>
+              <a:rPr lang="en-US" baseline="0" dirty="0"/>
+              <a:t>“These two applications give a idea of the performance you can expect from Collage. The take home message here is that Collage applications can have reasonable performance even if the capacity of the message channel itself is very limited.”</a:t>
+            </a:r>
+          </a:p>
+          <a:p>
+            <a:pPr marL="228600" indent="-228600">
+              <a:buFont typeface="+mj-lt"/>
+              <a:buAutoNum type="arabicPeriod"/>
+            </a:pPr>
+            <a:r>
+              <a:rPr lang="en-US" baseline="0" dirty="0"/>
+              <a:t>“I’m now going to show a demo of the first application, which publishes BBC news articles inside photos hosted on </a:t>
+            </a:r>
+            <a:r>
+              <a:rPr lang="en-US" baseline="0" dirty="0" err="1"/>
+              <a:t>Flickr</a:t>
+            </a:r>
+            <a:r>
+              <a:rPr lang="en-US" baseline="0" dirty="0"/>
+              <a:t>.”</a:t>
             </a:r>
             <a:endParaRPr lang="en-US" dirty="0"/>
           </a:p>
@@ -2071,7 +2123,7 @@
     </p:spTree>
     <p:extLst>
       <p:ext uri="{BB962C8B-B14F-4D97-AF65-F5344CB8AC3E}">
-        <p14:creationId xmlns:p14="http://schemas.microsoft.com/office/powerpoint/2010/main" val="2691584100"/>
+        <p14:creationId xmlns:p14="http://schemas.microsoft.com/office/powerpoint/2010/main" val="4272549342"/>
       </p:ext>
     </p:extLst>
   </p:cSld>
@@ -2100,19 +2152,37 @@
       </p:grpSpPr>
       <p:sp>
         <p:nvSpPr>
-          <p:cNvPr id="2" name="Slide Image Placeholder 1"/>
+          <p:cNvPr id="73730" name="Slide Image Placeholder 1">
+            <a:extLst>
+              <a:ext uri="{FF2B5EF4-FFF2-40B4-BE49-F238E27FC236}">
+                <a16:creationId xmlns:a16="http://schemas.microsoft.com/office/drawing/2014/main" id="{DB55A6E5-6976-994E-9041-8D65087DFC15}"/>
+              </a:ext>
+            </a:extLst>
+          </p:cNvPr>
           <p:cNvSpPr>
-            <a:spLocks noGrp="1" noRot="1" noChangeAspect="1"/>
+            <a:spLocks noGrp="1" noRot="1" noChangeAspect="1" noTextEdit="1"/>
           </p:cNvSpPr>
           <p:nvPr>
             <p:ph type="sldImg"/>
           </p:nvPr>
         </p:nvSpPr>
-        <p:spPr/>
+        <p:spPr>
+          <a:xfrm>
+            <a:off x="401638" y="696913"/>
+            <a:ext cx="6184900" cy="3479800"/>
+          </a:xfrm>
+          <a:ln/>
+        </p:spPr>
       </p:sp>
       <p:sp>
         <p:nvSpPr>
-          <p:cNvPr id="3" name="Notes Placeholder 2"/>
+          <p:cNvPr id="73731" name="Notes Placeholder 2">
+            <a:extLst>
+              <a:ext uri="{FF2B5EF4-FFF2-40B4-BE49-F238E27FC236}">
+                <a16:creationId xmlns:a16="http://schemas.microsoft.com/office/drawing/2014/main" id="{472A9B85-1693-3441-B927-18F75978F39F}"/>
+              </a:ext>
+            </a:extLst>
+          </p:cNvPr>
           <p:cNvSpPr>
             <a:spLocks noGrp="1"/>
           </p:cNvSpPr>
@@ -2120,82 +2190,216 @@
             <p:ph type="body" idx="1"/>
           </p:nvPr>
         </p:nvSpPr>
-        <p:spPr/>
+        <p:spPr>
+          <a:noFill/>
+          <a:ln/>
+          <a:extLst>
+            <a:ext uri="{909E8E84-426E-40DD-AFC4-6F175D3DCCD1}">
+              <a14:hiddenFill xmlns:a14="http://schemas.microsoft.com/office/drawing/2010/main">
+                <a:solidFill>
+                  <a:srgbClr val="FFFFFF"/>
+                </a:solidFill>
+              </a14:hiddenFill>
+            </a:ext>
+            <a:ext uri="{91240B29-F687-4F45-9708-019B960494DF}">
+              <a14:hiddenLine xmlns:a14="http://schemas.microsoft.com/office/drawing/2010/main" w="9525">
+                <a:solidFill>
+                  <a:srgbClr val="000000"/>
+                </a:solidFill>
+                <a:miter lim="800000"/>
+                <a:headEnd/>
+                <a:tailEnd/>
+              </a14:hiddenLine>
+            </a:ext>
+          </a:extLst>
+        </p:spPr>
         <p:txBody>
-          <a:bodyPr>
-            <a:normAutofit/>
-          </a:bodyPr>
+          <a:bodyPr/>
           <a:lstStyle/>
           <a:p>
-            <a:pPr marL="228600" indent="-228600">
-              <a:buFont typeface="+mj-lt"/>
-              <a:buAutoNum type="arabicPeriod"/>
-            </a:pPr>
-            <a:r>
-              <a:rPr lang="en-US" dirty="0"/>
-              <a:t>“We care about </a:t>
-            </a:r>
-            <a:r>
-              <a:rPr lang="en-US" baseline="0" dirty="0"/>
-              <a:t>three performance metrics for collage: The traffic overhead and overall transfer times required by Alice and Bob, and the amount of storage required on content hosts.”</a:t>
-            </a:r>
-          </a:p>
-          <a:p>
-            <a:pPr marL="228600" indent="-228600">
-              <a:buFont typeface="+mj-lt"/>
-              <a:buAutoNum type="arabicPeriod"/>
-            </a:pPr>
-            <a:r>
-              <a:rPr lang="en-US" baseline="0" dirty="0"/>
-              <a:t>“Unfortunately, I can’t give you concrete numbers for these metrics in the general case because the implementation details of each application and content host vary so widely.”</a:t>
-            </a:r>
-          </a:p>
-          <a:p>
-            <a:pPr marL="228600" indent="-228600">
-              <a:buFont typeface="+mj-lt"/>
-              <a:buAutoNum type="arabicPeriod"/>
-            </a:pPr>
-            <a:r>
-              <a:rPr lang="en-US" baseline="0" dirty="0"/>
-              <a:t>“Instead, I’ll show you performance metrics for two example applications.”</a:t>
-            </a:r>
-            <a:endParaRPr lang="en-US" dirty="0"/>
+            <a:endParaRPr lang="en-US" altLang="en-US"/>
           </a:p>
         </p:txBody>
       </p:sp>
       <p:sp>
         <p:nvSpPr>
-          <p:cNvPr id="4" name="Slide Number Placeholder 3"/>
+          <p:cNvPr id="73732" name="Slide Number Placeholder 3">
+            <a:extLst>
+              <a:ext uri="{FF2B5EF4-FFF2-40B4-BE49-F238E27FC236}">
+                <a16:creationId xmlns:a16="http://schemas.microsoft.com/office/drawing/2014/main" id="{73CC447A-CD22-0C4B-AB23-666556A00735}"/>
+              </a:ext>
+            </a:extLst>
+          </p:cNvPr>
           <p:cNvSpPr>
             <a:spLocks noGrp="1"/>
           </p:cNvSpPr>
           <p:nvPr>
-            <p:ph type="sldNum" sz="quarter" idx="10"/>
+            <p:ph type="sldNum" sz="quarter" idx="5"/>
           </p:nvPr>
         </p:nvSpPr>
-        <p:spPr/>
+        <p:spPr>
+          <a:noFill/>
+          <a:ln/>
+          <a:extLst>
+            <a:ext uri="{909E8E84-426E-40DD-AFC4-6F175D3DCCD1}">
+              <a14:hiddenFill xmlns:a14="http://schemas.microsoft.com/office/drawing/2010/main">
+                <a:solidFill>
+                  <a:srgbClr val="FFFFFF"/>
+                </a:solidFill>
+              </a14:hiddenFill>
+            </a:ext>
+            <a:ext uri="{91240B29-F687-4F45-9708-019B960494DF}">
+              <a14:hiddenLine xmlns:a14="http://schemas.microsoft.com/office/drawing/2010/main" w="9525">
+                <a:solidFill>
+                  <a:srgbClr val="000000"/>
+                </a:solidFill>
+                <a:miter lim="800000"/>
+                <a:headEnd/>
+                <a:tailEnd/>
+              </a14:hiddenLine>
+            </a:ext>
+          </a:extLst>
+        </p:spPr>
         <p:txBody>
           <a:bodyPr/>
-          <a:lstStyle/>
-          <a:p>
-            <a:pPr>
-              <a:defRPr/>
-            </a:pPr>
-            <a:fld id="{EA666BC8-9179-4C85-BBE8-D4FC51A8DBF0}" type="slidenum">
-              <a:rPr lang="en-US" smtClean="0"/>
-              <a:pPr>
-                <a:defRPr/>
-              </a:pPr>
-              <a:t>45</a:t>
+          <a:lstStyle>
+            <a:lvl1pPr defTabSz="928688">
+              <a:defRPr sz="2400">
+                <a:solidFill>
+                  <a:schemeClr val="bg2"/>
+                </a:solidFill>
+                <a:latin typeface="Tahoma" panose="020B0604030504040204" pitchFamily="34" charset="0"/>
+              </a:defRPr>
+            </a:lvl1pPr>
+            <a:lvl2pPr marL="742950" indent="-285750" defTabSz="928688">
+              <a:defRPr sz="2400">
+                <a:solidFill>
+                  <a:schemeClr val="bg2"/>
+                </a:solidFill>
+                <a:latin typeface="Tahoma" panose="020B0604030504040204" pitchFamily="34" charset="0"/>
+              </a:defRPr>
+            </a:lvl2pPr>
+            <a:lvl3pPr marL="1143000" indent="-228600" defTabSz="928688">
+              <a:defRPr sz="2400">
+                <a:solidFill>
+                  <a:schemeClr val="bg2"/>
+                </a:solidFill>
+                <a:latin typeface="Tahoma" panose="020B0604030504040204" pitchFamily="34" charset="0"/>
+              </a:defRPr>
+            </a:lvl3pPr>
+            <a:lvl4pPr marL="1600200" indent="-228600" defTabSz="928688">
+              <a:defRPr sz="2400">
+                <a:solidFill>
+                  <a:schemeClr val="bg2"/>
+                </a:solidFill>
+                <a:latin typeface="Tahoma" panose="020B0604030504040204" pitchFamily="34" charset="0"/>
+              </a:defRPr>
+            </a:lvl4pPr>
+            <a:lvl5pPr marL="2057400" indent="-228600" defTabSz="928688">
+              <a:defRPr sz="2400">
+                <a:solidFill>
+                  <a:schemeClr val="bg2"/>
+                </a:solidFill>
+                <a:latin typeface="Tahoma" panose="020B0604030504040204" pitchFamily="34" charset="0"/>
+              </a:defRPr>
+            </a:lvl5pPr>
+            <a:lvl6pPr marL="2514600" indent="-228600" algn="ctr" defTabSz="928688" eaLnBrk="0" fontAlgn="base" hangingPunct="0">
+              <a:spcBef>
+                <a:spcPct val="20000"/>
+              </a:spcBef>
+              <a:spcAft>
+                <a:spcPct val="0"/>
+              </a:spcAft>
+              <a:buClr>
+                <a:schemeClr val="accent2"/>
+              </a:buClr>
+              <a:buChar char="•"/>
+              <a:defRPr sz="2400">
+                <a:solidFill>
+                  <a:schemeClr val="bg2"/>
+                </a:solidFill>
+                <a:latin typeface="Tahoma" panose="020B0604030504040204" pitchFamily="34" charset="0"/>
+              </a:defRPr>
+            </a:lvl6pPr>
+            <a:lvl7pPr marL="2971800" indent="-228600" algn="ctr" defTabSz="928688" eaLnBrk="0" fontAlgn="base" hangingPunct="0">
+              <a:spcBef>
+                <a:spcPct val="20000"/>
+              </a:spcBef>
+              <a:spcAft>
+                <a:spcPct val="0"/>
+              </a:spcAft>
+              <a:buClr>
+                <a:schemeClr val="accent2"/>
+              </a:buClr>
+              <a:buChar char="•"/>
+              <a:defRPr sz="2400">
+                <a:solidFill>
+                  <a:schemeClr val="bg2"/>
+                </a:solidFill>
+                <a:latin typeface="Tahoma" panose="020B0604030504040204" pitchFamily="34" charset="0"/>
+              </a:defRPr>
+            </a:lvl7pPr>
+            <a:lvl8pPr marL="3429000" indent="-228600" algn="ctr" defTabSz="928688" eaLnBrk="0" fontAlgn="base" hangingPunct="0">
+              <a:spcBef>
+                <a:spcPct val="20000"/>
+              </a:spcBef>
+              <a:spcAft>
+                <a:spcPct val="0"/>
+              </a:spcAft>
+              <a:buClr>
+                <a:schemeClr val="accent2"/>
+              </a:buClr>
+              <a:buChar char="•"/>
+              <a:defRPr sz="2400">
+                <a:solidFill>
+                  <a:schemeClr val="bg2"/>
+                </a:solidFill>
+                <a:latin typeface="Tahoma" panose="020B0604030504040204" pitchFamily="34" charset="0"/>
+              </a:defRPr>
+            </a:lvl8pPr>
+            <a:lvl9pPr marL="3886200" indent="-228600" algn="ctr" defTabSz="928688" eaLnBrk="0" fontAlgn="base" hangingPunct="0">
+              <a:spcBef>
+                <a:spcPct val="20000"/>
+              </a:spcBef>
+              <a:spcAft>
+                <a:spcPct val="0"/>
+              </a:spcAft>
+              <a:buClr>
+                <a:schemeClr val="accent2"/>
+              </a:buClr>
+              <a:buChar char="•"/>
+              <a:defRPr sz="2400">
+                <a:solidFill>
+                  <a:schemeClr val="bg2"/>
+                </a:solidFill>
+                <a:latin typeface="Tahoma" panose="020B0604030504040204" pitchFamily="34" charset="0"/>
+              </a:defRPr>
+            </a:lvl9pPr>
+          </a:lstStyle>
+          <a:p>
+            <a:fld id="{8554EB31-494E-EC4A-9436-F1046DCDD41D}" type="slidenum">
+              <a:rPr lang="en-US" altLang="en-US" sz="1200">
+                <a:solidFill>
+                  <a:schemeClr val="tx1"/>
+                </a:solidFill>
+                <a:latin typeface="Times New Roman" panose="02020603050405020304" pitchFamily="18" charset="0"/>
+              </a:rPr>
+              <a:pPr/>
+              <a:t>46</a:t>
             </a:fld>
-            <a:endParaRPr lang="en-US"/>
+            <a:endParaRPr lang="en-US" altLang="en-US" sz="1200">
+              <a:solidFill>
+                <a:schemeClr val="tx1"/>
+              </a:solidFill>
+              <a:latin typeface="Times New Roman" panose="02020603050405020304" pitchFamily="18" charset="0"/>
+            </a:endParaRPr>
           </a:p>
         </p:txBody>
       </p:sp>
     </p:spTree>
     <p:extLst>
       <p:ext uri="{BB962C8B-B14F-4D97-AF65-F5344CB8AC3E}">
-        <p14:creationId xmlns:p14="http://schemas.microsoft.com/office/powerpoint/2010/main" val="2988100134"/>
+        <p14:creationId xmlns:p14="http://schemas.microsoft.com/office/powerpoint/2010/main" val="3480494072"/>
       </p:ext>
     </p:extLst>
   </p:cSld>
@@ -2294,7 +2498,7 @@
             </a:extLst>
           </p:cNvPr>
           <p:cNvSpPr txBox="1">
-            <a:spLocks noChangeArrowheads="1"/>
+            <a:spLocks noGrp="1" noChangeArrowheads="1"/>
           </p:cNvSpPr>
           <p:nvPr>
             <p:ph type="body"/>
@@ -2401,78 +2605,52 @@
         </p:nvSpPr>
         <p:spPr/>
         <p:txBody>
-          <a:bodyPr>
-            <a:normAutofit/>
-          </a:bodyPr>
+          <a:bodyPr/>
           <a:lstStyle/>
           <a:p>
-            <a:pPr marL="228600" indent="-228600">
-              <a:buFont typeface="+mj-lt"/>
-              <a:buAutoNum type="arabicPeriod"/>
-            </a:pPr>
             <a:r>
               <a:rPr lang="en-US" dirty="0"/>
-              <a:t>“The first application embeds news articles </a:t>
+              <a:t>Telex station forwards true</a:t>
             </a:r>
             <a:r>
               <a:rPr lang="en-US" baseline="0" dirty="0"/>
-              <a:t>inside photos hosted on </a:t>
+              <a:t> request</a:t>
+            </a:r>
+            <a:r>
+              <a:rPr lang="en-US" dirty="0"/>
+              <a:t> to a local </a:t>
+            </a:r>
+            <a:r>
+              <a:rPr lang="en-US" b="1" dirty="0"/>
+              <a:t>proxy server. </a:t>
+            </a:r>
+            <a:r>
+              <a:rPr lang="en-US" dirty="0"/>
+              <a:t>Telex injects responses into the original connection between client and NotBlocked. </a:t>
+            </a:r>
+          </a:p>
+          <a:p>
+            <a:r>
+              <a:rPr lang="en-US" dirty="0"/>
+              <a:t>Telex station not addressed</a:t>
+            </a:r>
+            <a:r>
+              <a:rPr lang="en-US" baseline="0" dirty="0"/>
+              <a:t> by IP, but by position in the network – “end-to-middle” </a:t>
             </a:r>
             <a:r>
               <a:rPr lang="en-US" baseline="0" dirty="0" err="1"/>
-              <a:t>Flickr</a:t>
+              <a:t>proxying</a:t>
             </a:r>
             <a:r>
               <a:rPr lang="en-US" baseline="0" dirty="0"/>
-              <a:t>. For a 30 kilobyte message, we require 5 photographs and use about 7 megabytes of traffic over 6 minutes. A main cause of the large overhead for </a:t>
+              <a:t>; we use DPI and MITM to do _</a:t>
             </a:r>
             <a:r>
               <a:rPr lang="en-US" baseline="0" dirty="0" err="1"/>
-              <a:t>Flickr</a:t>
-            </a:r>
-            <a:r>
-              <a:rPr lang="en-US" baseline="0" dirty="0"/>
-              <a:t> are extra advertisements and photo thumbnails.”</a:t>
-            </a:r>
-          </a:p>
-          <a:p>
-            <a:pPr marL="228600" indent="-228600">
-              <a:buFont typeface="+mj-lt"/>
-              <a:buAutoNum type="arabicPeriod"/>
-            </a:pPr>
-            <a:r>
-              <a:rPr lang="en-US" baseline="0" dirty="0"/>
-              <a:t>“The second application stores covert tweets inside other tweets on Twitter. To send a single 140 byte message, we need 30 tweets and under 2 megabytes of traffic. We spread out the posting of these tweets over the span of an hour to more closely approximate real Twitter usage.”</a:t>
-            </a:r>
-          </a:p>
-          <a:p>
-            <a:pPr marL="228600" indent="-228600">
-              <a:buFont typeface="+mj-lt"/>
-              <a:buAutoNum type="arabicPeriod"/>
-            </a:pPr>
-            <a:r>
-              <a:rPr lang="en-US" baseline="0" dirty="0"/>
-              <a:t>“These two applications give a idea of the performance you can expect from Collage. The take home message here is that Collage applications can have reasonable performance even if the capacity of the message channel itself is very limited.”</a:t>
-            </a:r>
-          </a:p>
-          <a:p>
-            <a:pPr marL="228600" indent="-228600">
-              <a:buFont typeface="+mj-lt"/>
-              <a:buAutoNum type="arabicPeriod"/>
-            </a:pPr>
-            <a:r>
-              <a:rPr lang="en-US" baseline="0" dirty="0"/>
-              <a:t>“I’m now going to show a demo of the first application, which publishes BBC news articles inside photos hosted on </a:t>
-            </a:r>
-            <a:r>
-              <a:rPr lang="en-US" baseline="0" dirty="0" err="1"/>
-              <a:t>Flickr</a:t>
-            </a:r>
-            <a:r>
-              <a:rPr lang="en-US" baseline="0" dirty="0"/>
-              <a:t>.”</a:t>
-            </a:r>
-            <a:endParaRPr lang="en-US" dirty="0"/>
+              <a:t>anti_censorship</a:t>
+            </a:r>
+            <a:endParaRPr lang="en-US" b="1" dirty="0"/>
           </a:p>
         </p:txBody>
       </p:sp>
@@ -2491,418 +2669,10 @@
           <a:bodyPr/>
           <a:lstStyle/>
           <a:p>
-            <a:pPr>
-              <a:defRPr/>
-            </a:pPr>
-            <a:fld id="{EA666BC8-9179-4C85-BBE8-D4FC51A8DBF0}" type="slidenum">
-              <a:rPr lang="en-US" smtClean="0"/>
-              <a:pPr>
-                <a:defRPr/>
-              </a:pPr>
-              <a:t>46</a:t>
-            </a:fld>
-            <a:endParaRPr lang="en-US"/>
-          </a:p>
-        </p:txBody>
-      </p:sp>
-    </p:spTree>
-    <p:extLst>
-      <p:ext uri="{BB962C8B-B14F-4D97-AF65-F5344CB8AC3E}">
-        <p14:creationId xmlns:p14="http://schemas.microsoft.com/office/powerpoint/2010/main" val="4272549342"/>
-      </p:ext>
-    </p:extLst>
-  </p:cSld>
-  <p:clrMapOvr>
-    <a:masterClrMapping/>
-  </p:clrMapOvr>
-</p:notes>
-</file>
-
-<file path=ppt/notesSlides/notesSlide21.xml><?xml version="1.0" encoding="utf-8"?>
-<p:notes xmlns:a="http://schemas.openxmlformats.org/drawingml/2006/main" xmlns:r="http://schemas.openxmlformats.org/officeDocument/2006/relationships" xmlns:p="http://schemas.openxmlformats.org/presentationml/2006/main">
-  <p:cSld>
-    <p:spTree>
-      <p:nvGrpSpPr>
-        <p:cNvPr id="1" name=""/>
-        <p:cNvGrpSpPr/>
-        <p:nvPr/>
-      </p:nvGrpSpPr>
-      <p:grpSpPr>
-        <a:xfrm>
-          <a:off x="0" y="0"/>
-          <a:ext cx="0" cy="0"/>
-          <a:chOff x="0" y="0"/>
-          <a:chExt cx="0" cy="0"/>
-        </a:xfrm>
-      </p:grpSpPr>
-      <p:sp>
-        <p:nvSpPr>
-          <p:cNvPr id="73730" name="Slide Image Placeholder 1">
-            <a:extLst>
-              <a:ext uri="{FF2B5EF4-FFF2-40B4-BE49-F238E27FC236}">
-                <a16:creationId xmlns:a16="http://schemas.microsoft.com/office/drawing/2014/main" id="{DB55A6E5-6976-994E-9041-8D65087DFC15}"/>
-              </a:ext>
-            </a:extLst>
-          </p:cNvPr>
-          <p:cNvSpPr>
-            <a:spLocks noGrp="1" noRot="1" noChangeAspect="1" noTextEdit="1"/>
-          </p:cNvSpPr>
-          <p:nvPr>
-            <p:ph type="sldImg"/>
-          </p:nvPr>
-        </p:nvSpPr>
-        <p:spPr>
-          <a:xfrm>
-            <a:off x="401638" y="696913"/>
-            <a:ext cx="6184900" cy="3479800"/>
-          </a:xfrm>
-          <a:ln/>
-        </p:spPr>
-      </p:sp>
-      <p:sp>
-        <p:nvSpPr>
-          <p:cNvPr id="73731" name="Notes Placeholder 2">
-            <a:extLst>
-              <a:ext uri="{FF2B5EF4-FFF2-40B4-BE49-F238E27FC236}">
-                <a16:creationId xmlns:a16="http://schemas.microsoft.com/office/drawing/2014/main" id="{472A9B85-1693-3441-B927-18F75978F39F}"/>
-              </a:ext>
-            </a:extLst>
-          </p:cNvPr>
-          <p:cNvSpPr>
-            <a:spLocks noGrp="1"/>
-          </p:cNvSpPr>
-          <p:nvPr>
-            <p:ph type="body" idx="1"/>
-          </p:nvPr>
-        </p:nvSpPr>
-        <p:spPr>
-          <a:noFill/>
-          <a:ln/>
-          <a:extLst>
-            <a:ext uri="{909E8E84-426E-40DD-AFC4-6F175D3DCCD1}">
-              <a14:hiddenFill xmlns:a14="http://schemas.microsoft.com/office/drawing/2010/main">
-                <a:solidFill>
-                  <a:srgbClr val="FFFFFF"/>
-                </a:solidFill>
-              </a14:hiddenFill>
-            </a:ext>
-            <a:ext uri="{91240B29-F687-4F45-9708-019B960494DF}">
-              <a14:hiddenLine xmlns:a14="http://schemas.microsoft.com/office/drawing/2010/main" w="9525">
-                <a:solidFill>
-                  <a:srgbClr val="000000"/>
-                </a:solidFill>
-                <a:miter lim="800000"/>
-                <a:headEnd/>
-                <a:tailEnd/>
-              </a14:hiddenLine>
-            </a:ext>
-          </a:extLst>
-        </p:spPr>
-        <p:txBody>
-          <a:bodyPr/>
-          <a:lstStyle/>
-          <a:p>
-            <a:endParaRPr lang="en-US" altLang="en-US"/>
-          </a:p>
-        </p:txBody>
-      </p:sp>
-      <p:sp>
-        <p:nvSpPr>
-          <p:cNvPr id="73732" name="Slide Number Placeholder 3">
-            <a:extLst>
-              <a:ext uri="{FF2B5EF4-FFF2-40B4-BE49-F238E27FC236}">
-                <a16:creationId xmlns:a16="http://schemas.microsoft.com/office/drawing/2014/main" id="{73CC447A-CD22-0C4B-AB23-666556A00735}"/>
-              </a:ext>
-            </a:extLst>
-          </p:cNvPr>
-          <p:cNvSpPr>
-            <a:spLocks noGrp="1"/>
-          </p:cNvSpPr>
-          <p:nvPr>
-            <p:ph type="sldNum" sz="quarter" idx="5"/>
-          </p:nvPr>
-        </p:nvSpPr>
-        <p:spPr>
-          <a:noFill/>
-          <a:ln/>
-          <a:extLst>
-            <a:ext uri="{909E8E84-426E-40DD-AFC4-6F175D3DCCD1}">
-              <a14:hiddenFill xmlns:a14="http://schemas.microsoft.com/office/drawing/2010/main">
-                <a:solidFill>
-                  <a:srgbClr val="FFFFFF"/>
-                </a:solidFill>
-              </a14:hiddenFill>
-            </a:ext>
-            <a:ext uri="{91240B29-F687-4F45-9708-019B960494DF}">
-              <a14:hiddenLine xmlns:a14="http://schemas.microsoft.com/office/drawing/2010/main" w="9525">
-                <a:solidFill>
-                  <a:srgbClr val="000000"/>
-                </a:solidFill>
-                <a:miter lim="800000"/>
-                <a:headEnd/>
-                <a:tailEnd/>
-              </a14:hiddenLine>
-            </a:ext>
-          </a:extLst>
-        </p:spPr>
-        <p:txBody>
-          <a:bodyPr/>
-          <a:lstStyle>
-            <a:lvl1pPr defTabSz="928688">
-              <a:defRPr sz="2400">
-                <a:solidFill>
-                  <a:schemeClr val="bg2"/>
-                </a:solidFill>
-                <a:latin typeface="Tahoma" panose="020B0604030504040204" pitchFamily="34" charset="0"/>
-              </a:defRPr>
-            </a:lvl1pPr>
-            <a:lvl2pPr marL="742950" indent="-285750" defTabSz="928688">
-              <a:defRPr sz="2400">
-                <a:solidFill>
-                  <a:schemeClr val="bg2"/>
-                </a:solidFill>
-                <a:latin typeface="Tahoma" panose="020B0604030504040204" pitchFamily="34" charset="0"/>
-              </a:defRPr>
-            </a:lvl2pPr>
-            <a:lvl3pPr marL="1143000" indent="-228600" defTabSz="928688">
-              <a:defRPr sz="2400">
-                <a:solidFill>
-                  <a:schemeClr val="bg2"/>
-                </a:solidFill>
-                <a:latin typeface="Tahoma" panose="020B0604030504040204" pitchFamily="34" charset="0"/>
-              </a:defRPr>
-            </a:lvl3pPr>
-            <a:lvl4pPr marL="1600200" indent="-228600" defTabSz="928688">
-              <a:defRPr sz="2400">
-                <a:solidFill>
-                  <a:schemeClr val="bg2"/>
-                </a:solidFill>
-                <a:latin typeface="Tahoma" panose="020B0604030504040204" pitchFamily="34" charset="0"/>
-              </a:defRPr>
-            </a:lvl4pPr>
-            <a:lvl5pPr marL="2057400" indent="-228600" defTabSz="928688">
-              <a:defRPr sz="2400">
-                <a:solidFill>
-                  <a:schemeClr val="bg2"/>
-                </a:solidFill>
-                <a:latin typeface="Tahoma" panose="020B0604030504040204" pitchFamily="34" charset="0"/>
-              </a:defRPr>
-            </a:lvl5pPr>
-            <a:lvl6pPr marL="2514600" indent="-228600" algn="ctr" defTabSz="928688" eaLnBrk="0" fontAlgn="base" hangingPunct="0">
-              <a:spcBef>
-                <a:spcPct val="20000"/>
-              </a:spcBef>
-              <a:spcAft>
-                <a:spcPct val="0"/>
-              </a:spcAft>
-              <a:buClr>
-                <a:schemeClr val="accent2"/>
-              </a:buClr>
-              <a:buChar char="•"/>
-              <a:defRPr sz="2400">
-                <a:solidFill>
-                  <a:schemeClr val="bg2"/>
-                </a:solidFill>
-                <a:latin typeface="Tahoma" panose="020B0604030504040204" pitchFamily="34" charset="0"/>
-              </a:defRPr>
-            </a:lvl6pPr>
-            <a:lvl7pPr marL="2971800" indent="-228600" algn="ctr" defTabSz="928688" eaLnBrk="0" fontAlgn="base" hangingPunct="0">
-              <a:spcBef>
-                <a:spcPct val="20000"/>
-              </a:spcBef>
-              <a:spcAft>
-                <a:spcPct val="0"/>
-              </a:spcAft>
-              <a:buClr>
-                <a:schemeClr val="accent2"/>
-              </a:buClr>
-              <a:buChar char="•"/>
-              <a:defRPr sz="2400">
-                <a:solidFill>
-                  <a:schemeClr val="bg2"/>
-                </a:solidFill>
-                <a:latin typeface="Tahoma" panose="020B0604030504040204" pitchFamily="34" charset="0"/>
-              </a:defRPr>
-            </a:lvl7pPr>
-            <a:lvl8pPr marL="3429000" indent="-228600" algn="ctr" defTabSz="928688" eaLnBrk="0" fontAlgn="base" hangingPunct="0">
-              <a:spcBef>
-                <a:spcPct val="20000"/>
-              </a:spcBef>
-              <a:spcAft>
-                <a:spcPct val="0"/>
-              </a:spcAft>
-              <a:buClr>
-                <a:schemeClr val="accent2"/>
-              </a:buClr>
-              <a:buChar char="•"/>
-              <a:defRPr sz="2400">
-                <a:solidFill>
-                  <a:schemeClr val="bg2"/>
-                </a:solidFill>
-                <a:latin typeface="Tahoma" panose="020B0604030504040204" pitchFamily="34" charset="0"/>
-              </a:defRPr>
-            </a:lvl8pPr>
-            <a:lvl9pPr marL="3886200" indent="-228600" algn="ctr" defTabSz="928688" eaLnBrk="0" fontAlgn="base" hangingPunct="0">
-              <a:spcBef>
-                <a:spcPct val="20000"/>
-              </a:spcBef>
-              <a:spcAft>
-                <a:spcPct val="0"/>
-              </a:spcAft>
-              <a:buClr>
-                <a:schemeClr val="accent2"/>
-              </a:buClr>
-              <a:buChar char="•"/>
-              <a:defRPr sz="2400">
-                <a:solidFill>
-                  <a:schemeClr val="bg2"/>
-                </a:solidFill>
-                <a:latin typeface="Tahoma" panose="020B0604030504040204" pitchFamily="34" charset="0"/>
-              </a:defRPr>
-            </a:lvl9pPr>
-          </a:lstStyle>
-          <a:p>
-            <a:fld id="{8554EB31-494E-EC4A-9436-F1046DCDD41D}" type="slidenum">
-              <a:rPr lang="en-US" altLang="en-US" sz="1200">
-                <a:solidFill>
-                  <a:schemeClr val="tx1"/>
-                </a:solidFill>
-                <a:latin typeface="Times New Roman" panose="02020603050405020304" pitchFamily="18" charset="0"/>
-              </a:rPr>
-              <a:pPr/>
-              <a:t>48</a:t>
-            </a:fld>
-            <a:endParaRPr lang="en-US" altLang="en-US" sz="1200">
-              <a:solidFill>
-                <a:schemeClr val="tx1"/>
-              </a:solidFill>
-              <a:latin typeface="Times New Roman" panose="02020603050405020304" pitchFamily="18" charset="0"/>
-            </a:endParaRPr>
-          </a:p>
-        </p:txBody>
-      </p:sp>
-    </p:spTree>
-    <p:extLst>
-      <p:ext uri="{BB962C8B-B14F-4D97-AF65-F5344CB8AC3E}">
-        <p14:creationId xmlns:p14="http://schemas.microsoft.com/office/powerpoint/2010/main" val="3480494072"/>
-      </p:ext>
-    </p:extLst>
-  </p:cSld>
-  <p:clrMapOvr>
-    <a:masterClrMapping/>
-  </p:clrMapOvr>
-</p:notes>
-</file>
-
-<file path=ppt/notesSlides/notesSlide22.xml><?xml version="1.0" encoding="utf-8"?>
-<p:notes xmlns:a="http://schemas.openxmlformats.org/drawingml/2006/main" xmlns:r="http://schemas.openxmlformats.org/officeDocument/2006/relationships" xmlns:p="http://schemas.openxmlformats.org/presentationml/2006/main">
-  <p:cSld>
-    <p:spTree>
-      <p:nvGrpSpPr>
-        <p:cNvPr id="1" name=""/>
-        <p:cNvGrpSpPr/>
-        <p:nvPr/>
-      </p:nvGrpSpPr>
-      <p:grpSpPr>
-        <a:xfrm>
-          <a:off x="0" y="0"/>
-          <a:ext cx="0" cy="0"/>
-          <a:chOff x="0" y="0"/>
-          <a:chExt cx="0" cy="0"/>
-        </a:xfrm>
-      </p:grpSpPr>
-      <p:sp>
-        <p:nvSpPr>
-          <p:cNvPr id="2" name="Slide Image Placeholder 1"/>
-          <p:cNvSpPr>
-            <a:spLocks noGrp="1" noRot="1" noChangeAspect="1"/>
-          </p:cNvSpPr>
-          <p:nvPr>
-            <p:ph type="sldImg"/>
-          </p:nvPr>
-        </p:nvSpPr>
-        <p:spPr/>
-      </p:sp>
-      <p:sp>
-        <p:nvSpPr>
-          <p:cNvPr id="3" name="Notes Placeholder 2"/>
-          <p:cNvSpPr>
-            <a:spLocks noGrp="1"/>
-          </p:cNvSpPr>
-          <p:nvPr>
-            <p:ph type="body" idx="1"/>
-          </p:nvPr>
-        </p:nvSpPr>
-        <p:spPr/>
-        <p:txBody>
-          <a:bodyPr/>
-          <a:lstStyle/>
-          <a:p>
-            <a:r>
-              <a:rPr lang="en-US" dirty="0"/>
-              <a:t>Telex station forwards true</a:t>
-            </a:r>
-            <a:r>
-              <a:rPr lang="en-US" baseline="0" dirty="0"/>
-              <a:t> request</a:t>
-            </a:r>
-            <a:r>
-              <a:rPr lang="en-US" dirty="0"/>
-              <a:t> to a local </a:t>
-            </a:r>
-            <a:r>
-              <a:rPr lang="en-US" b="1" dirty="0"/>
-              <a:t>proxy server. </a:t>
-            </a:r>
-            <a:r>
-              <a:rPr lang="en-US" dirty="0"/>
-              <a:t>Telex injects responses into the original connection between client and NotBlocked. </a:t>
-            </a:r>
-          </a:p>
-          <a:p>
-            <a:r>
-              <a:rPr lang="en-US" dirty="0"/>
-              <a:t>Telex station not addressed</a:t>
-            </a:r>
-            <a:r>
-              <a:rPr lang="en-US" baseline="0" dirty="0"/>
-              <a:t> by IP, but by position in the network – “end-to-middle” </a:t>
-            </a:r>
-            <a:r>
-              <a:rPr lang="en-US" baseline="0" dirty="0" err="1"/>
-              <a:t>proxying</a:t>
-            </a:r>
-            <a:r>
-              <a:rPr lang="en-US" baseline="0" dirty="0"/>
-              <a:t>; we use DPI and MITM to do _</a:t>
-            </a:r>
-            <a:r>
-              <a:rPr lang="en-US" baseline="0" dirty="0" err="1"/>
-              <a:t>anti_censorship</a:t>
-            </a:r>
-            <a:endParaRPr lang="en-US" b="1" dirty="0"/>
-          </a:p>
-        </p:txBody>
-      </p:sp>
-      <p:sp>
-        <p:nvSpPr>
-          <p:cNvPr id="4" name="Slide Number Placeholder 3"/>
-          <p:cNvSpPr>
-            <a:spLocks noGrp="1"/>
-          </p:cNvSpPr>
-          <p:nvPr>
-            <p:ph type="sldNum" sz="quarter" idx="10"/>
-          </p:nvPr>
-        </p:nvSpPr>
-        <p:spPr/>
-        <p:txBody>
-          <a:bodyPr/>
-          <a:lstStyle/>
-          <a:p>
             <a:fld id="{A973EB63-BC5D-40B6-81EE-FBC7D5B8CF42}" type="slidenum">
               <a:rPr lang="en-US" smtClean="0"/>
               <a:pPr/>
-              <a:t>53</a:t>
+              <a:t>51</a:t>
             </a:fld>
             <a:endParaRPr lang="en-US"/>
           </a:p>
@@ -2921,7 +2691,7 @@
 </p:notes>
 </file>
 
-<file path=ppt/notesSlides/notesSlide23.xml><?xml version="1.0" encoding="utf-8"?>
+<file path=ppt/notesSlides/notesSlide21.xml><?xml version="1.0" encoding="utf-8"?>
 <p:notes xmlns:a="http://schemas.openxmlformats.org/drawingml/2006/main" xmlns:r="http://schemas.openxmlformats.org/officeDocument/2006/relationships" xmlns:p="http://schemas.openxmlformats.org/presentationml/2006/main">
   <p:cSld>
     <p:spTree>
@@ -2991,7 +2761,7 @@
           <a:p>
             <a:fld id="{6775B1F9-3FC9-4C04-AC94-861A5863A670}" type="slidenum">
               <a:rPr lang="en-US" smtClean="0"/>
-              <a:t>54</a:t>
+              <a:t>52</a:t>
             </a:fld>
             <a:endParaRPr lang="en-US"/>
           </a:p>
@@ -3099,7 +2869,7 @@
             </a:extLst>
           </p:cNvPr>
           <p:cNvSpPr txBox="1">
-            <a:spLocks noChangeArrowheads="1"/>
+            <a:spLocks noGrp="1" noChangeArrowheads="1"/>
           </p:cNvSpPr>
           <p:nvPr>
             <p:ph type="body"/>
@@ -3254,7 +3024,7 @@
             </a:extLst>
           </p:cNvPr>
           <p:cNvSpPr txBox="1">
-            <a:spLocks noChangeArrowheads="1"/>
+            <a:spLocks noGrp="1" noChangeArrowheads="1"/>
           </p:cNvSpPr>
           <p:nvPr>
             <p:ph type="body"/>
@@ -3409,7 +3179,7 @@
             </a:extLst>
           </p:cNvPr>
           <p:cNvSpPr txBox="1">
-            <a:spLocks noChangeArrowheads="1"/>
+            <a:spLocks noGrp="1" noChangeArrowheads="1"/>
           </p:cNvSpPr>
           <p:nvPr>
             <p:ph type="body"/>
@@ -3564,7 +3334,7 @@
             </a:extLst>
           </p:cNvPr>
           <p:cNvSpPr txBox="1">
-            <a:spLocks noChangeArrowheads="1"/>
+            <a:spLocks noGrp="1" noChangeArrowheads="1"/>
           </p:cNvSpPr>
           <p:nvPr>
             <p:ph type="body"/>
@@ -3719,7 +3489,7 @@
             </a:extLst>
           </p:cNvPr>
           <p:cNvSpPr txBox="1">
-            <a:spLocks noChangeArrowheads="1"/>
+            <a:spLocks noGrp="1" noChangeArrowheads="1"/>
           </p:cNvSpPr>
           <p:nvPr>
             <p:ph type="body"/>
@@ -4347,7 +4117,7 @@
           <a:p>
             <a:fld id="{C9E664E8-8019-2444-AEBA-CE692A70D4C8}" type="datetimeFigureOut">
               <a:rPr lang="en-US" smtClean="0"/>
-              <a:t>2/3/20</a:t>
+              <a:t>2/10/21</a:t>
             </a:fld>
             <a:endParaRPr lang="en-US"/>
           </a:p>
@@ -4545,7 +4315,7 @@
           <a:p>
             <a:fld id="{C9E664E8-8019-2444-AEBA-CE692A70D4C8}" type="datetimeFigureOut">
               <a:rPr lang="en-US" smtClean="0"/>
-              <a:t>2/3/20</a:t>
+              <a:t>2/10/21</a:t>
             </a:fld>
             <a:endParaRPr lang="en-US"/>
           </a:p>
@@ -4753,7 +4523,7 @@
           <a:p>
             <a:fld id="{C9E664E8-8019-2444-AEBA-CE692A70D4C8}" type="datetimeFigureOut">
               <a:rPr lang="en-US" smtClean="0"/>
-              <a:t>2/3/20</a:t>
+              <a:t>2/10/21</a:t>
             </a:fld>
             <a:endParaRPr lang="en-US"/>
           </a:p>
@@ -5415,7 +5185,7 @@
           <a:p>
             <a:fld id="{C9E664E8-8019-2444-AEBA-CE692A70D4C8}" type="datetimeFigureOut">
               <a:rPr lang="en-US" smtClean="0"/>
-              <a:t>2/3/20</a:t>
+              <a:t>2/10/21</a:t>
             </a:fld>
             <a:endParaRPr lang="en-US"/>
           </a:p>
@@ -5690,7 +5460,7 @@
           <a:p>
             <a:fld id="{C9E664E8-8019-2444-AEBA-CE692A70D4C8}" type="datetimeFigureOut">
               <a:rPr lang="en-US" smtClean="0"/>
-              <a:t>2/3/20</a:t>
+              <a:t>2/10/21</a:t>
             </a:fld>
             <a:endParaRPr lang="en-US"/>
           </a:p>
@@ -5955,7 +5725,7 @@
           <a:p>
             <a:fld id="{C9E664E8-8019-2444-AEBA-CE692A70D4C8}" type="datetimeFigureOut">
               <a:rPr lang="en-US" smtClean="0"/>
-              <a:t>2/3/20</a:t>
+              <a:t>2/10/21</a:t>
             </a:fld>
             <a:endParaRPr lang="en-US"/>
           </a:p>
@@ -6367,7 +6137,7 @@
           <a:p>
             <a:fld id="{C9E664E8-8019-2444-AEBA-CE692A70D4C8}" type="datetimeFigureOut">
               <a:rPr lang="en-US" smtClean="0"/>
-              <a:t>2/3/20</a:t>
+              <a:t>2/10/21</a:t>
             </a:fld>
             <a:endParaRPr lang="en-US"/>
           </a:p>
@@ -6508,7 +6278,7 @@
           <a:p>
             <a:fld id="{C9E664E8-8019-2444-AEBA-CE692A70D4C8}" type="datetimeFigureOut">
               <a:rPr lang="en-US" smtClean="0"/>
-              <a:t>2/3/20</a:t>
+              <a:t>2/10/21</a:t>
             </a:fld>
             <a:endParaRPr lang="en-US"/>
           </a:p>
@@ -6621,7 +6391,7 @@
           <a:p>
             <a:fld id="{C9E664E8-8019-2444-AEBA-CE692A70D4C8}" type="datetimeFigureOut">
               <a:rPr lang="en-US" smtClean="0"/>
-              <a:t>2/3/20</a:t>
+              <a:t>2/10/21</a:t>
             </a:fld>
             <a:endParaRPr lang="en-US"/>
           </a:p>
@@ -6932,7 +6702,7 @@
           <a:p>
             <a:fld id="{C9E664E8-8019-2444-AEBA-CE692A70D4C8}" type="datetimeFigureOut">
               <a:rPr lang="en-US" smtClean="0"/>
-              <a:t>2/3/20</a:t>
+              <a:t>2/10/21</a:t>
             </a:fld>
             <a:endParaRPr lang="en-US"/>
           </a:p>
@@ -7220,7 +6990,7 @@
           <a:p>
             <a:fld id="{C9E664E8-8019-2444-AEBA-CE692A70D4C8}" type="datetimeFigureOut">
               <a:rPr lang="en-US" smtClean="0"/>
-              <a:t>2/3/20</a:t>
+              <a:t>2/10/21</a:t>
             </a:fld>
             <a:endParaRPr lang="en-US"/>
           </a:p>
@@ -7461,7 +7231,7 @@
           <a:p>
             <a:fld id="{C9E664E8-8019-2444-AEBA-CE692A70D4C8}" type="datetimeFigureOut">
               <a:rPr lang="en-US" smtClean="0"/>
-              <a:t>2/3/20</a:t>
+              <a:t>2/10/21</a:t>
             </a:fld>
             <a:endParaRPr lang="en-US"/>
           </a:p>
@@ -8078,7 +7848,7 @@
   <p:timing>
     <p:tnLst>
       <p:par>
-        <p:cTn id="1" dur="indefinite" nodeType="tmRoot">
+        <p:cTn id="1" dur="indefinite" restart="never" nodeType="tmRoot">
           <p:childTnLst>
             <p:seq concurrent="1" nextAc="seek">
               <p:cTn id="2" dur="indefinite" nodeType="mainSeq"/>
@@ -8210,7 +7980,7 @@
   <p:timing>
     <p:tnLst>
       <p:par>
-        <p:cTn id="1" dur="indefinite" nodeType="tmRoot">
+        <p:cTn id="1" dur="indefinite" restart="never" nodeType="tmRoot">
           <p:childTnLst>
             <p:seq concurrent="1" nextAc="seek">
               <p:cTn id="2" dur="indefinite" nodeType="mainSeq"/>
@@ -8342,7 +8112,7 @@
   <p:timing>
     <p:tnLst>
       <p:par>
-        <p:cTn id="1" dur="indefinite" nodeType="tmRoot">
+        <p:cTn id="1" dur="indefinite" restart="never" nodeType="tmRoot">
           <p:childTnLst>
             <p:seq concurrent="1" nextAc="seek">
               <p:cTn id="2" dur="indefinite" nodeType="mainSeq"/>
@@ -8509,7 +8279,7 @@
   <p:timing>
     <p:tnLst>
       <p:par>
-        <p:cTn id="1" dur="indefinite" nodeType="tmRoot">
+        <p:cTn id="1" dur="indefinite" restart="never" nodeType="tmRoot">
           <p:childTnLst>
             <p:seq concurrent="1" nextAc="seek">
               <p:cTn id="2" dur="indefinite" nodeType="mainSeq"/>
@@ -18282,7 +18052,7 @@
           <p:cNvPr id="2" name="Title 1">
             <a:extLst>
               <a:ext uri="{FF2B5EF4-FFF2-40B4-BE49-F238E27FC236}">
-                <a16:creationId xmlns:a16="http://schemas.microsoft.com/office/drawing/2014/main" id="{791097D5-114B-6F40-A3B2-3DD9F50B3E8B}"/>
+                <a16:creationId xmlns:a16="http://schemas.microsoft.com/office/drawing/2014/main" id="{98CECB21-A8B9-2A46-8D25-BF35EDCD9A6A}"/>
               </a:ext>
             </a:extLst>
           </p:cNvPr>
@@ -18290,23 +18060,69 @@
             <a:spLocks noGrp="1"/>
           </p:cNvSpPr>
           <p:nvPr>
-            <p:ph type="title"/>
+            <p:ph type="ctrTitle"/>
+          </p:nvPr>
+        </p:nvSpPr>
+        <p:spPr/>
+        <p:txBody>
+          <a:bodyPr>
+            <a:normAutofit/>
+          </a:bodyPr>
+          <a:lstStyle/>
+          <a:p>
+            <a:r>
+              <a:rPr lang="en-US" sz="4000" b="1" dirty="0"/>
+              <a:t>Internet Censorship and Online Speech</a:t>
+            </a:r>
+            <a:br>
+              <a:rPr lang="en-US" sz="4000" dirty="0"/>
+            </a:br>
+            <a:r>
+              <a:rPr lang="en-US" sz="3600" dirty="0"/>
+              <a:t>Chapter 5.3: Domain Fronting</a:t>
+            </a:r>
+            <a:endParaRPr lang="en-US" sz="4000" dirty="0"/>
+          </a:p>
+        </p:txBody>
+      </p:sp>
+      <p:sp>
+        <p:nvSpPr>
+          <p:cNvPr id="3" name="Subtitle 2">
+            <a:extLst>
+              <a:ext uri="{FF2B5EF4-FFF2-40B4-BE49-F238E27FC236}">
+                <a16:creationId xmlns:a16="http://schemas.microsoft.com/office/drawing/2014/main" id="{F83BB962-F4CC-D04B-91FF-E298F75F47B3}"/>
+              </a:ext>
+            </a:extLst>
+          </p:cNvPr>
+          <p:cNvSpPr>
+            <a:spLocks noGrp="1"/>
+          </p:cNvSpPr>
+          <p:nvPr>
+            <p:ph type="subTitle" idx="1"/>
           </p:nvPr>
         </p:nvSpPr>
         <p:spPr>
           <a:xfrm>
-            <a:off x="838200" y="1652749"/>
-            <a:ext cx="10515600" cy="1325563"/>
+            <a:off x="1524000" y="4236352"/>
+            <a:ext cx="9144000" cy="1655762"/>
           </a:xfrm>
         </p:spPr>
         <p:txBody>
-          <a:bodyPr/>
+          <a:bodyPr>
+            <a:normAutofit/>
+          </a:bodyPr>
           <a:lstStyle/>
           <a:p>
-            <a:pPr algn="ctr"/>
-            <a:r>
-              <a:rPr lang="en-US" dirty="0"/>
-              <a:t>Domain Fronting</a:t>
+            <a:r>
+              <a:rPr lang="en-US" sz="3600" dirty="0"/>
+              <a:t>Nick Feamster</a:t>
+            </a:r>
+            <a:br>
+              <a:rPr lang="en-US" sz="3600" dirty="0"/>
+            </a:br>
+            <a:r>
+              <a:rPr lang="en-US" sz="3600" dirty="0"/>
+              <a:t>University of Chicago</a:t>
             </a:r>
           </a:p>
         </p:txBody>
@@ -18314,7 +18130,7 @@
     </p:spTree>
     <p:extLst>
       <p:ext uri="{BB962C8B-B14F-4D97-AF65-F5344CB8AC3E}">
-        <p14:creationId xmlns:p14="http://schemas.microsoft.com/office/powerpoint/2010/main" val="2997897863"/>
+        <p14:creationId xmlns:p14="http://schemas.microsoft.com/office/powerpoint/2010/main" val="2700705577"/>
       </p:ext>
     </p:extLst>
   </p:cSld>
@@ -18894,10 +18710,10 @@
       </p:grpSpPr>
       <p:sp>
         <p:nvSpPr>
-          <p:cNvPr id="4" name="Title 3">
+          <p:cNvPr id="2" name="Title 1">
             <a:extLst>
               <a:ext uri="{FF2B5EF4-FFF2-40B4-BE49-F238E27FC236}">
-                <a16:creationId xmlns:a16="http://schemas.microsoft.com/office/drawing/2014/main" id="{6B8B0631-49F7-8446-B9C9-208B1A7756A5}"/>
+                <a16:creationId xmlns:a16="http://schemas.microsoft.com/office/drawing/2014/main" id="{98CECB21-A8B9-2A46-8D25-BF35EDCD9A6A}"/>
               </a:ext>
             </a:extLst>
           </p:cNvPr>
@@ -18905,23 +18721,69 @@
             <a:spLocks noGrp="1"/>
           </p:cNvSpPr>
           <p:nvPr>
-            <p:ph type="title"/>
+            <p:ph type="ctrTitle"/>
+          </p:nvPr>
+        </p:nvSpPr>
+        <p:spPr/>
+        <p:txBody>
+          <a:bodyPr>
+            <a:normAutofit/>
+          </a:bodyPr>
+          <a:lstStyle/>
+          <a:p>
+            <a:r>
+              <a:rPr lang="en-US" sz="4000" b="1" dirty="0"/>
+              <a:t>Internet Censorship and Online Speech</a:t>
+            </a:r>
+            <a:br>
+              <a:rPr lang="en-US" sz="4000" dirty="0"/>
+            </a:br>
+            <a:r>
+              <a:rPr lang="en-US" sz="3600" dirty="0"/>
+              <a:t>Chapter 5.4: Steganography</a:t>
+            </a:r>
+            <a:endParaRPr lang="en-US" sz="4000" dirty="0"/>
+          </a:p>
+        </p:txBody>
+      </p:sp>
+      <p:sp>
+        <p:nvSpPr>
+          <p:cNvPr id="3" name="Subtitle 2">
+            <a:extLst>
+              <a:ext uri="{FF2B5EF4-FFF2-40B4-BE49-F238E27FC236}">
+                <a16:creationId xmlns:a16="http://schemas.microsoft.com/office/drawing/2014/main" id="{F83BB962-F4CC-D04B-91FF-E298F75F47B3}"/>
+              </a:ext>
+            </a:extLst>
+          </p:cNvPr>
+          <p:cNvSpPr>
+            <a:spLocks noGrp="1"/>
+          </p:cNvSpPr>
+          <p:nvPr>
+            <p:ph type="subTitle" idx="1"/>
           </p:nvPr>
         </p:nvSpPr>
         <p:spPr>
           <a:xfrm>
-            <a:off x="838200" y="2011045"/>
-            <a:ext cx="10515600" cy="1325563"/>
+            <a:off x="1524000" y="4236352"/>
+            <a:ext cx="9144000" cy="1655762"/>
           </a:xfrm>
         </p:spPr>
         <p:txBody>
-          <a:bodyPr/>
+          <a:bodyPr>
+            <a:normAutofit/>
+          </a:bodyPr>
           <a:lstStyle/>
           <a:p>
-            <a:pPr algn="ctr"/>
-            <a:r>
-              <a:rPr lang="en-US" dirty="0"/>
-              <a:t>Steganography</a:t>
+            <a:r>
+              <a:rPr lang="en-US" sz="3600" dirty="0"/>
+              <a:t>Nick Feamster</a:t>
+            </a:r>
+            <a:br>
+              <a:rPr lang="en-US" sz="3600" dirty="0"/>
+            </a:br>
+            <a:r>
+              <a:rPr lang="en-US" sz="3600" dirty="0"/>
+              <a:t>University of Chicago</a:t>
             </a:r>
           </a:p>
         </p:txBody>
@@ -18929,7 +18791,7 @@
     </p:spTree>
     <p:extLst>
       <p:ext uri="{BB962C8B-B14F-4D97-AF65-F5344CB8AC3E}">
-        <p14:creationId xmlns:p14="http://schemas.microsoft.com/office/powerpoint/2010/main" val="2769973884"/>
+        <p14:creationId xmlns:p14="http://schemas.microsoft.com/office/powerpoint/2010/main" val="2988131386"/>
       </p:ext>
     </p:extLst>
   </p:cSld>
@@ -19469,7 +19331,7 @@
             </a:extLst>
           </p:cNvPr>
           <p:cNvPicPr>
-            <a:picLocks noChangeAspect="1" noChangeArrowheads="1"/>
+            <a:picLocks noGrp="1" noChangeAspect="1" noChangeArrowheads="1"/>
           </p:cNvPicPr>
           <p:nvPr>
             <p:ph sz="half" idx="1"/>
@@ -19861,10 +19723,10 @@
       </p:grpSpPr>
       <p:sp>
         <p:nvSpPr>
-          <p:cNvPr id="4" name="Title 3">
+          <p:cNvPr id="2" name="Title 1">
             <a:extLst>
               <a:ext uri="{FF2B5EF4-FFF2-40B4-BE49-F238E27FC236}">
-                <a16:creationId xmlns:a16="http://schemas.microsoft.com/office/drawing/2014/main" id="{E6F86378-648C-5F44-AAB8-D1D432C26926}"/>
+                <a16:creationId xmlns:a16="http://schemas.microsoft.com/office/drawing/2014/main" id="{98CECB21-A8B9-2A46-8D25-BF35EDCD9A6A}"/>
               </a:ext>
             </a:extLst>
           </p:cNvPr>
@@ -19872,23 +19734,69 @@
             <a:spLocks noGrp="1"/>
           </p:cNvSpPr>
           <p:nvPr>
-            <p:ph type="title"/>
+            <p:ph type="ctrTitle"/>
+          </p:nvPr>
+        </p:nvSpPr>
+        <p:spPr/>
+        <p:txBody>
+          <a:bodyPr>
+            <a:normAutofit/>
+          </a:bodyPr>
+          <a:lstStyle/>
+          <a:p>
+            <a:r>
+              <a:rPr lang="en-US" sz="4000" b="1" dirty="0"/>
+              <a:t>Internet Censorship and Online Speech</a:t>
+            </a:r>
+            <a:br>
+              <a:rPr lang="en-US" sz="4000" dirty="0"/>
+            </a:br>
+            <a:r>
+              <a:rPr lang="en-US" sz="3600" dirty="0"/>
+              <a:t>Chapter 5.1: Virtual Private Networks</a:t>
+            </a:r>
+            <a:endParaRPr lang="en-US" sz="4000" dirty="0"/>
+          </a:p>
+        </p:txBody>
+      </p:sp>
+      <p:sp>
+        <p:nvSpPr>
+          <p:cNvPr id="3" name="Subtitle 2">
+            <a:extLst>
+              <a:ext uri="{FF2B5EF4-FFF2-40B4-BE49-F238E27FC236}">
+                <a16:creationId xmlns:a16="http://schemas.microsoft.com/office/drawing/2014/main" id="{F83BB962-F4CC-D04B-91FF-E298F75F47B3}"/>
+              </a:ext>
+            </a:extLst>
+          </p:cNvPr>
+          <p:cNvSpPr>
+            <a:spLocks noGrp="1"/>
+          </p:cNvSpPr>
+          <p:nvPr>
+            <p:ph type="subTitle" idx="1"/>
           </p:nvPr>
         </p:nvSpPr>
         <p:spPr>
           <a:xfrm>
-            <a:off x="838200" y="1830031"/>
-            <a:ext cx="10515600" cy="1325563"/>
+            <a:off x="1524000" y="4236352"/>
+            <a:ext cx="9144000" cy="1655762"/>
           </a:xfrm>
         </p:spPr>
         <p:txBody>
-          <a:bodyPr/>
+          <a:bodyPr>
+            <a:normAutofit/>
+          </a:bodyPr>
           <a:lstStyle/>
           <a:p>
-            <a:pPr algn="ctr"/>
-            <a:r>
-              <a:rPr lang="en-US" dirty="0"/>
-              <a:t>Virtual Private Networks</a:t>
+            <a:r>
+              <a:rPr lang="en-US" sz="3600" dirty="0"/>
+              <a:t>Nick Feamster</a:t>
+            </a:r>
+            <a:br>
+              <a:rPr lang="en-US" sz="3600" dirty="0"/>
+            </a:br>
+            <a:r>
+              <a:rPr lang="en-US" sz="3600" dirty="0"/>
+              <a:t>University of Chicago</a:t>
             </a:r>
           </a:p>
         </p:txBody>
@@ -19896,7 +19804,7 @@
     </p:spTree>
     <p:extLst>
       <p:ext uri="{BB962C8B-B14F-4D97-AF65-F5344CB8AC3E}">
-        <p14:creationId xmlns:p14="http://schemas.microsoft.com/office/powerpoint/2010/main" val="2343357596"/>
+        <p14:creationId xmlns:p14="http://schemas.microsoft.com/office/powerpoint/2010/main" val="503134395"/>
       </p:ext>
     </p:extLst>
   </p:cSld>
@@ -24169,93 +24077,6 @@
 </file>
 
 <file path=ppt/slides/slide37.xml><?xml version="1.0" encoding="utf-8"?>
-<p:sld xmlns:a="http://schemas.openxmlformats.org/drawingml/2006/main" xmlns:r="http://schemas.openxmlformats.org/officeDocument/2006/relationships" xmlns:p="http://schemas.openxmlformats.org/presentationml/2006/main">
-  <p:cSld>
-    <p:spTree>
-      <p:nvGrpSpPr>
-        <p:cNvPr id="1" name=""/>
-        <p:cNvGrpSpPr/>
-        <p:nvPr/>
-      </p:nvGrpSpPr>
-      <p:grpSpPr>
-        <a:xfrm>
-          <a:off x="0" y="0"/>
-          <a:ext cx="0" cy="0"/>
-          <a:chOff x="0" y="0"/>
-          <a:chExt cx="0" cy="0"/>
-        </a:xfrm>
-      </p:grpSpPr>
-      <p:sp>
-        <p:nvSpPr>
-          <p:cNvPr id="13314" name="Title 1"/>
-          <p:cNvSpPr>
-            <a:spLocks noGrp="1"/>
-          </p:cNvSpPr>
-          <p:nvPr>
-            <p:ph type="title"/>
-          </p:nvPr>
-        </p:nvSpPr>
-        <p:spPr/>
-        <p:txBody>
-          <a:bodyPr/>
-          <a:lstStyle/>
-          <a:p>
-            <a:r>
-              <a:rPr lang="en-US"/>
-              <a:t>Outline</a:t>
-            </a:r>
-          </a:p>
-        </p:txBody>
-      </p:sp>
-      <p:sp>
-        <p:nvSpPr>
-          <p:cNvPr id="13315" name="Content Placeholder 2"/>
-          <p:cNvSpPr>
-            <a:spLocks noGrp="1"/>
-          </p:cNvSpPr>
-          <p:nvPr>
-            <p:ph idx="1"/>
-          </p:nvPr>
-        </p:nvSpPr>
-        <p:spPr/>
-        <p:txBody>
-          <a:bodyPr/>
-          <a:lstStyle/>
-          <a:p>
-            <a:r>
-              <a:rPr lang="en-US" dirty="0"/>
-              <a:t>Background and Design Goals</a:t>
-            </a:r>
-          </a:p>
-          <a:p>
-            <a:r>
-              <a:rPr lang="en-US" b="1" dirty="0"/>
-              <a:t>Collage Design</a:t>
-            </a:r>
-          </a:p>
-          <a:p>
-            <a:r>
-              <a:rPr lang="en-US" dirty="0"/>
-              <a:t>Performance and Demo</a:t>
-            </a:r>
-          </a:p>
-        </p:txBody>
-      </p:sp>
-    </p:spTree>
-    <p:extLst>
-      <p:ext uri="{BB962C8B-B14F-4D97-AF65-F5344CB8AC3E}">
-        <p14:creationId xmlns:p14="http://schemas.microsoft.com/office/powerpoint/2010/main" val="3787852299"/>
-      </p:ext>
-    </p:extLst>
-  </p:cSld>
-  <p:clrMapOvr>
-    <a:masterClrMapping/>
-  </p:clrMapOvr>
-  <p:transition/>
-</p:sld>
-</file>
-
-<file path=ppt/slides/slide38.xml><?xml version="1.0" encoding="utf-8"?>
 <p:sld xmlns:a="http://schemas.openxmlformats.org/drawingml/2006/main" xmlns:r="http://schemas.openxmlformats.org/officeDocument/2006/relationships" xmlns:p="http://schemas.openxmlformats.org/presentationml/2006/main">
   <p:cSld>
     <p:spTree>
@@ -28095,7 +27916,7 @@
 </p:sld>
 </file>
 
-<file path=ppt/slides/slide39.xml><?xml version="1.0" encoding="utf-8"?>
+<file path=ppt/slides/slide38.xml><?xml version="1.0" encoding="utf-8"?>
 <p:sld xmlns:a="http://schemas.openxmlformats.org/drawingml/2006/main" xmlns:r="http://schemas.openxmlformats.org/officeDocument/2006/relationships" xmlns:p="http://schemas.openxmlformats.org/presentationml/2006/main">
   <p:cSld>
     <p:spTree>
@@ -28557,134 +28378,7 @@
 </p:sld>
 </file>
 
-<file path=ppt/slides/slide4.xml><?xml version="1.0" encoding="utf-8"?>
-<p:sld xmlns:a="http://schemas.openxmlformats.org/drawingml/2006/main" xmlns:r="http://schemas.openxmlformats.org/officeDocument/2006/relationships" xmlns:p="http://schemas.openxmlformats.org/presentationml/2006/main">
-  <p:cSld>
-    <p:spTree>
-      <p:nvGrpSpPr>
-        <p:cNvPr id="1" name=""/>
-        <p:cNvGrpSpPr/>
-        <p:nvPr/>
-      </p:nvGrpSpPr>
-      <p:grpSpPr>
-        <a:xfrm>
-          <a:off x="0" y="0"/>
-          <a:ext cx="0" cy="0"/>
-          <a:chOff x="0" y="0"/>
-          <a:chExt cx="0" cy="0"/>
-        </a:xfrm>
-      </p:grpSpPr>
-      <p:sp>
-        <p:nvSpPr>
-          <p:cNvPr id="4" name="TextBox 3"/>
-          <p:cNvSpPr txBox="1"/>
-          <p:nvPr/>
-        </p:nvSpPr>
-        <p:spPr>
-          <a:xfrm>
-            <a:off x="574271" y="683030"/>
-            <a:ext cx="6664260" cy="707886"/>
-          </a:xfrm>
-          <a:prstGeom prst="rect">
-            <a:avLst/>
-          </a:prstGeom>
-          <a:noFill/>
-        </p:spPr>
-        <p:txBody>
-          <a:bodyPr wrap="none" rtlCol="0">
-            <a:spAutoFit/>
-          </a:bodyPr>
-          <a:lstStyle/>
-          <a:p>
-            <a:r>
-              <a:rPr lang="en-US" sz="4000" dirty="0">
-                <a:latin typeface="+mj-lt"/>
-              </a:rPr>
-              <a:t>Virtual Private Networks (VPNs)</a:t>
-            </a:r>
-          </a:p>
-        </p:txBody>
-      </p:sp>
-      <p:sp>
-        <p:nvSpPr>
-          <p:cNvPr id="5" name="TextBox 4"/>
-          <p:cNvSpPr txBox="1"/>
-          <p:nvPr/>
-        </p:nvSpPr>
-        <p:spPr>
-          <a:xfrm>
-            <a:off x="734786" y="1714500"/>
-            <a:ext cx="7961731" cy="954107"/>
-          </a:xfrm>
-          <a:prstGeom prst="rect">
-            <a:avLst/>
-          </a:prstGeom>
-          <a:noFill/>
-        </p:spPr>
-        <p:txBody>
-          <a:bodyPr wrap="none" rtlCol="0">
-            <a:spAutoFit/>
-          </a:bodyPr>
-          <a:lstStyle/>
-          <a:p>
-            <a:r>
-              <a:rPr lang="en-US" sz="2800" dirty="0"/>
-              <a:t>Encrypt and tunnel user’s traffic through proxy server.</a:t>
-            </a:r>
-          </a:p>
-          <a:p>
-            <a:pPr marL="457200" indent="-457200">
-              <a:buFont typeface="Arial" charset="0"/>
-              <a:buChar char="•"/>
-            </a:pPr>
-            <a:endParaRPr lang="en-US" sz="2800" dirty="0"/>
-          </a:p>
-        </p:txBody>
-      </p:sp>
-      <p:pic>
-        <p:nvPicPr>
-          <p:cNvPr id="2" name="Picture 1"/>
-          <p:cNvPicPr>
-            <a:picLocks noChangeAspect="1"/>
-          </p:cNvPicPr>
-          <p:nvPr/>
-        </p:nvPicPr>
-        <p:blipFill>
-          <a:blip r:embed="rId2">
-            <a:extLst>
-              <a:ext uri="{28A0092B-C50C-407E-A947-70E740481C1C}">
-                <a14:useLocalDpi xmlns:a14="http://schemas.microsoft.com/office/drawing/2010/main" val="0"/>
-              </a:ext>
-            </a:extLst>
-          </a:blip>
-          <a:stretch>
-            <a:fillRect/>
-          </a:stretch>
-        </p:blipFill>
-        <p:spPr>
-          <a:xfrm>
-            <a:off x="2442464" y="3099495"/>
-            <a:ext cx="6473602" cy="3236801"/>
-          </a:xfrm>
-          <a:prstGeom prst="rect">
-            <a:avLst/>
-          </a:prstGeom>
-        </p:spPr>
-      </p:pic>
-    </p:spTree>
-    <p:extLst>
-      <p:ext uri="{BB962C8B-B14F-4D97-AF65-F5344CB8AC3E}">
-        <p14:creationId xmlns:p14="http://schemas.microsoft.com/office/powerpoint/2010/main" val="288036036"/>
-      </p:ext>
-    </p:extLst>
-  </p:cSld>
-  <p:clrMapOvr>
-    <a:masterClrMapping/>
-  </p:clrMapOvr>
-</p:sld>
-</file>
-
-<file path=ppt/slides/slide40.xml><?xml version="1.0" encoding="utf-8"?>
+<file path=ppt/slides/slide39.xml><?xml version="1.0" encoding="utf-8"?>
 <p:sld xmlns:a="http://schemas.openxmlformats.org/drawingml/2006/main" xmlns:r="http://schemas.openxmlformats.org/officeDocument/2006/relationships" xmlns:p="http://schemas.openxmlformats.org/presentationml/2006/main">
   <p:cSld>
     <p:spTree>
@@ -29058,7 +28752,134 @@
 </p:sld>
 </file>
 
-<file path=ppt/slides/slide41.xml><?xml version="1.0" encoding="utf-8"?>
+<file path=ppt/slides/slide4.xml><?xml version="1.0" encoding="utf-8"?>
+<p:sld xmlns:a="http://schemas.openxmlformats.org/drawingml/2006/main" xmlns:r="http://schemas.openxmlformats.org/officeDocument/2006/relationships" xmlns:p="http://schemas.openxmlformats.org/presentationml/2006/main">
+  <p:cSld>
+    <p:spTree>
+      <p:nvGrpSpPr>
+        <p:cNvPr id="1" name=""/>
+        <p:cNvGrpSpPr/>
+        <p:nvPr/>
+      </p:nvGrpSpPr>
+      <p:grpSpPr>
+        <a:xfrm>
+          <a:off x="0" y="0"/>
+          <a:ext cx="0" cy="0"/>
+          <a:chOff x="0" y="0"/>
+          <a:chExt cx="0" cy="0"/>
+        </a:xfrm>
+      </p:grpSpPr>
+      <p:sp>
+        <p:nvSpPr>
+          <p:cNvPr id="4" name="TextBox 3"/>
+          <p:cNvSpPr txBox="1"/>
+          <p:nvPr/>
+        </p:nvSpPr>
+        <p:spPr>
+          <a:xfrm>
+            <a:off x="574271" y="683030"/>
+            <a:ext cx="6664260" cy="707886"/>
+          </a:xfrm>
+          <a:prstGeom prst="rect">
+            <a:avLst/>
+          </a:prstGeom>
+          <a:noFill/>
+        </p:spPr>
+        <p:txBody>
+          <a:bodyPr wrap="none" rtlCol="0">
+            <a:spAutoFit/>
+          </a:bodyPr>
+          <a:lstStyle/>
+          <a:p>
+            <a:r>
+              <a:rPr lang="en-US" sz="4000" dirty="0">
+                <a:latin typeface="+mj-lt"/>
+              </a:rPr>
+              <a:t>Virtual Private Networks (VPNs)</a:t>
+            </a:r>
+          </a:p>
+        </p:txBody>
+      </p:sp>
+      <p:sp>
+        <p:nvSpPr>
+          <p:cNvPr id="5" name="TextBox 4"/>
+          <p:cNvSpPr txBox="1"/>
+          <p:nvPr/>
+        </p:nvSpPr>
+        <p:spPr>
+          <a:xfrm>
+            <a:off x="734786" y="1714500"/>
+            <a:ext cx="7961731" cy="954107"/>
+          </a:xfrm>
+          <a:prstGeom prst="rect">
+            <a:avLst/>
+          </a:prstGeom>
+          <a:noFill/>
+        </p:spPr>
+        <p:txBody>
+          <a:bodyPr wrap="none" rtlCol="0">
+            <a:spAutoFit/>
+          </a:bodyPr>
+          <a:lstStyle/>
+          <a:p>
+            <a:r>
+              <a:rPr lang="en-US" sz="2800" dirty="0"/>
+              <a:t>Encrypt and tunnel user’s traffic through proxy server.</a:t>
+            </a:r>
+          </a:p>
+          <a:p>
+            <a:pPr marL="457200" indent="-457200">
+              <a:buFont typeface="Arial" charset="0"/>
+              <a:buChar char="•"/>
+            </a:pPr>
+            <a:endParaRPr lang="en-US" sz="2800" dirty="0"/>
+          </a:p>
+        </p:txBody>
+      </p:sp>
+      <p:pic>
+        <p:nvPicPr>
+          <p:cNvPr id="2" name="Picture 1"/>
+          <p:cNvPicPr>
+            <a:picLocks noChangeAspect="1"/>
+          </p:cNvPicPr>
+          <p:nvPr/>
+        </p:nvPicPr>
+        <p:blipFill>
+          <a:blip r:embed="rId2">
+            <a:extLst>
+              <a:ext uri="{28A0092B-C50C-407E-A947-70E740481C1C}">
+                <a14:useLocalDpi xmlns:a14="http://schemas.microsoft.com/office/drawing/2010/main" val="0"/>
+              </a:ext>
+            </a:extLst>
+          </a:blip>
+          <a:stretch>
+            <a:fillRect/>
+          </a:stretch>
+        </p:blipFill>
+        <p:spPr>
+          <a:xfrm>
+            <a:off x="2442464" y="3099495"/>
+            <a:ext cx="6473602" cy="3236801"/>
+          </a:xfrm>
+          <a:prstGeom prst="rect">
+            <a:avLst/>
+          </a:prstGeom>
+        </p:spPr>
+      </p:pic>
+    </p:spTree>
+    <p:extLst>
+      <p:ext uri="{BB962C8B-B14F-4D97-AF65-F5344CB8AC3E}">
+        <p14:creationId xmlns:p14="http://schemas.microsoft.com/office/powerpoint/2010/main" val="288036036"/>
+      </p:ext>
+    </p:extLst>
+  </p:cSld>
+  <p:clrMapOvr>
+    <a:masterClrMapping/>
+  </p:clrMapOvr>
+</p:sld>
+</file>
+
+<file path=ppt/slides/slide40.xml><?xml version="1.0" encoding="utf-8"?>
 <p:sld xmlns:a="http://schemas.openxmlformats.org/drawingml/2006/main" xmlns:r="http://schemas.openxmlformats.org/officeDocument/2006/relationships" xmlns:p="http://schemas.openxmlformats.org/presentationml/2006/main">
   <p:cSld>
     <p:spTree>
@@ -31600,7 +31421,7 @@
 </p:sld>
 </file>
 
-<file path=ppt/slides/slide42.xml><?xml version="1.0" encoding="utf-8"?>
+<file path=ppt/slides/slide41.xml><?xml version="1.0" encoding="utf-8"?>
 <p:sld xmlns:a="http://schemas.openxmlformats.org/drawingml/2006/main" xmlns:r="http://schemas.openxmlformats.org/officeDocument/2006/relationships" xmlns:p="http://schemas.openxmlformats.org/presentationml/2006/main">
   <p:cSld>
     <p:spTree>
@@ -32687,7 +32508,7 @@
 </p:sld>
 </file>
 
-<file path=ppt/slides/slide43.xml><?xml version="1.0" encoding="utf-8"?>
+<file path=ppt/slides/slide42.xml><?xml version="1.0" encoding="utf-8"?>
 <p:sld xmlns:a="http://schemas.openxmlformats.org/drawingml/2006/main" xmlns:r="http://schemas.openxmlformats.org/officeDocument/2006/relationships" xmlns:p="http://schemas.openxmlformats.org/presentationml/2006/main">
   <p:cSld>
     <p:spTree>
@@ -33929,93 +33750,7 @@
 </p:sld>
 </file>
 
-<file path=ppt/slides/slide44.xml><?xml version="1.0" encoding="utf-8"?>
-<p:sld xmlns:a="http://schemas.openxmlformats.org/drawingml/2006/main" xmlns:r="http://schemas.openxmlformats.org/officeDocument/2006/relationships" xmlns:p="http://schemas.openxmlformats.org/presentationml/2006/main">
-  <p:cSld>
-    <p:spTree>
-      <p:nvGrpSpPr>
-        <p:cNvPr id="1" name=""/>
-        <p:cNvGrpSpPr/>
-        <p:nvPr/>
-      </p:nvGrpSpPr>
-      <p:grpSpPr>
-        <a:xfrm>
-          <a:off x="0" y="0"/>
-          <a:ext cx="0" cy="0"/>
-          <a:chOff x="0" y="0"/>
-          <a:chExt cx="0" cy="0"/>
-        </a:xfrm>
-      </p:grpSpPr>
-      <p:sp>
-        <p:nvSpPr>
-          <p:cNvPr id="18434" name="Title 1"/>
-          <p:cNvSpPr>
-            <a:spLocks noGrp="1"/>
-          </p:cNvSpPr>
-          <p:nvPr>
-            <p:ph type="title"/>
-          </p:nvPr>
-        </p:nvSpPr>
-        <p:spPr/>
-        <p:txBody>
-          <a:bodyPr/>
-          <a:lstStyle/>
-          <a:p>
-            <a:r>
-              <a:rPr lang="en-US"/>
-              <a:t>Outline</a:t>
-            </a:r>
-          </a:p>
-        </p:txBody>
-      </p:sp>
-      <p:sp>
-        <p:nvSpPr>
-          <p:cNvPr id="18435" name="Content Placeholder 2"/>
-          <p:cNvSpPr>
-            <a:spLocks noGrp="1"/>
-          </p:cNvSpPr>
-          <p:nvPr>
-            <p:ph idx="1"/>
-          </p:nvPr>
-        </p:nvSpPr>
-        <p:spPr/>
-        <p:txBody>
-          <a:bodyPr/>
-          <a:lstStyle/>
-          <a:p>
-            <a:r>
-              <a:rPr lang="en-US" dirty="0"/>
-              <a:t>Background and Design Goals</a:t>
-            </a:r>
-          </a:p>
-          <a:p>
-            <a:r>
-              <a:rPr lang="en-US" dirty="0"/>
-              <a:t>Collage Design</a:t>
-            </a:r>
-          </a:p>
-          <a:p>
-            <a:r>
-              <a:rPr lang="en-US" b="1" dirty="0"/>
-              <a:t>Performance and Demo</a:t>
-            </a:r>
-          </a:p>
-        </p:txBody>
-      </p:sp>
-    </p:spTree>
-    <p:extLst>
-      <p:ext uri="{BB962C8B-B14F-4D97-AF65-F5344CB8AC3E}">
-        <p14:creationId xmlns:p14="http://schemas.microsoft.com/office/powerpoint/2010/main" val="565658900"/>
-      </p:ext>
-    </p:extLst>
-  </p:cSld>
-  <p:clrMapOvr>
-    <a:masterClrMapping/>
-  </p:clrMapOvr>
-</p:sld>
-</file>
-
-<file path=ppt/slides/slide45.xml><?xml version="1.0" encoding="utf-8"?>
+<file path=ppt/slides/slide43.xml><?xml version="1.0" encoding="utf-8"?>
 <p:sld xmlns:a="http://schemas.openxmlformats.org/drawingml/2006/main" xmlns:r="http://schemas.openxmlformats.org/officeDocument/2006/relationships" xmlns:p="http://schemas.openxmlformats.org/presentationml/2006/main">
   <p:cSld>
     <p:spTree>
@@ -34146,7 +33881,7 @@
 </p:sld>
 </file>
 
-<file path=ppt/slides/slide46.xml><?xml version="1.0" encoding="utf-8"?>
+<file path=ppt/slides/slide44.xml><?xml version="1.0" encoding="utf-8"?>
 <p:sld xmlns:a="http://schemas.openxmlformats.org/drawingml/2006/main" xmlns:r="http://schemas.openxmlformats.org/officeDocument/2006/relationships" xmlns:p="http://schemas.openxmlformats.org/presentationml/2006/main">
   <p:cSld>
     <p:spTree>
@@ -34728,7 +34463,7 @@
 </p:sld>
 </file>
 
-<file path=ppt/slides/slide47.xml><?xml version="1.0" encoding="utf-8"?>
+<file path=ppt/slides/slide45.xml><?xml version="1.0" encoding="utf-8"?>
 <p:sld xmlns:a="http://schemas.openxmlformats.org/drawingml/2006/main" xmlns:r="http://schemas.openxmlformats.org/officeDocument/2006/relationships" xmlns:p="http://schemas.openxmlformats.org/presentationml/2006/main">
   <p:cSld>
     <p:spTree>
@@ -35538,7 +35273,7 @@
 </p:sld>
 </file>
 
-<file path=ppt/slides/slide48.xml><?xml version="1.0" encoding="utf-8"?>
+<file path=ppt/slides/slide46.xml><?xml version="1.0" encoding="utf-8"?>
 <p:sld xmlns:a="http://schemas.openxmlformats.org/drawingml/2006/main" xmlns:r="http://schemas.openxmlformats.org/officeDocument/2006/relationships" xmlns:p="http://schemas.openxmlformats.org/presentationml/2006/main">
   <p:cSld>
     <p:spTree>
@@ -35986,7 +35721,7 @@
                 <a:latin typeface="Arial" panose="020B0604020202020204" pitchFamily="34" charset="0"/>
               </a:rPr>
               <a:pPr/>
-              <a:t>48</a:t>
+              <a:t>46</a:t>
             </a:fld>
             <a:endParaRPr lang="en-US" altLang="en-US" sz="1200">
               <a:latin typeface="Arial" panose="020B0604020202020204" pitchFamily="34" charset="0"/>
@@ -36036,7 +35771,7 @@
 </p:sld>
 </file>
 
-<file path=ppt/slides/slide49.xml><?xml version="1.0" encoding="utf-8"?>
+<file path=ppt/slides/slide47.xml><?xml version="1.0" encoding="utf-8"?>
 <p:sld xmlns:a="http://schemas.openxmlformats.org/drawingml/2006/main" xmlns:r="http://schemas.openxmlformats.org/officeDocument/2006/relationships" xmlns:p="http://schemas.openxmlformats.org/presentationml/2006/main">
   <p:cSld>
     <p:spTree>
@@ -36284,7 +36019,7 @@
                 <a:latin typeface="Arial" panose="020B0604020202020204" pitchFamily="34" charset="0"/>
               </a:rPr>
               <a:pPr/>
-              <a:t>49</a:t>
+              <a:t>47</a:t>
             </a:fld>
             <a:endParaRPr lang="en-US" altLang="en-US" sz="1200">
               <a:latin typeface="Arial" panose="020B0604020202020204" pitchFamily="34" charset="0"/>
@@ -36305,71 +36040,7 @@
 </p:sld>
 </file>
 
-<file path=ppt/slides/slide5.xml><?xml version="1.0" encoding="utf-8"?>
-<p:sld xmlns:a="http://schemas.openxmlformats.org/drawingml/2006/main" xmlns:r="http://schemas.openxmlformats.org/officeDocument/2006/relationships" xmlns:p="http://schemas.openxmlformats.org/presentationml/2006/main">
-  <p:cSld>
-    <p:spTree>
-      <p:nvGrpSpPr>
-        <p:cNvPr id="1" name=""/>
-        <p:cNvGrpSpPr/>
-        <p:nvPr/>
-      </p:nvGrpSpPr>
-      <p:grpSpPr>
-        <a:xfrm>
-          <a:off x="0" y="0"/>
-          <a:ext cx="0" cy="0"/>
-          <a:chOff x="0" y="0"/>
-          <a:chExt cx="0" cy="0"/>
-        </a:xfrm>
-      </p:grpSpPr>
-      <p:sp>
-        <p:nvSpPr>
-          <p:cNvPr id="2" name="Title 1">
-            <a:extLst>
-              <a:ext uri="{FF2B5EF4-FFF2-40B4-BE49-F238E27FC236}">
-                <a16:creationId xmlns:a16="http://schemas.microsoft.com/office/drawing/2014/main" id="{7D8486C4-E862-F945-8591-54FA75211D79}"/>
-              </a:ext>
-            </a:extLst>
-          </p:cNvPr>
-          <p:cNvSpPr>
-            <a:spLocks noGrp="1"/>
-          </p:cNvSpPr>
-          <p:nvPr>
-            <p:ph type="title"/>
-          </p:nvPr>
-        </p:nvSpPr>
-        <p:spPr>
-          <a:xfrm>
-            <a:off x="838200" y="1820700"/>
-            <a:ext cx="10515600" cy="1325563"/>
-          </a:xfrm>
-        </p:spPr>
-        <p:txBody>
-          <a:bodyPr/>
-          <a:lstStyle/>
-          <a:p>
-            <a:pPr algn="ctr"/>
-            <a:r>
-              <a:rPr lang="en-US" dirty="0"/>
-              <a:t>Tor</a:t>
-            </a:r>
-          </a:p>
-        </p:txBody>
-      </p:sp>
-    </p:spTree>
-    <p:extLst>
-      <p:ext uri="{BB962C8B-B14F-4D97-AF65-F5344CB8AC3E}">
-        <p14:creationId xmlns:p14="http://schemas.microsoft.com/office/powerpoint/2010/main" val="934198299"/>
-      </p:ext>
-    </p:extLst>
-  </p:cSld>
-  <p:clrMapOvr>
-    <a:masterClrMapping/>
-  </p:clrMapOvr>
-</p:sld>
-</file>
-
-<file path=ppt/slides/slide50.xml><?xml version="1.0" encoding="utf-8"?>
+<file path=ppt/slides/slide48.xml><?xml version="1.0" encoding="utf-8"?>
 <p:sld xmlns:a="http://schemas.openxmlformats.org/drawingml/2006/main" xmlns:r="http://schemas.openxmlformats.org/officeDocument/2006/relationships" xmlns:p="http://schemas.openxmlformats.org/presentationml/2006/main">
   <p:cSld>
     <p:bg>
@@ -36542,7 +36213,7 @@
 </p:sld>
 </file>
 
-<file path=ppt/slides/slide51.xml><?xml version="1.0" encoding="utf-8"?>
+<file path=ppt/slides/slide49.xml><?xml version="1.0" encoding="utf-8"?>
 <p:sld xmlns:a="http://schemas.openxmlformats.org/drawingml/2006/main" xmlns:r="http://schemas.openxmlformats.org/officeDocument/2006/relationships" xmlns:p="http://schemas.openxmlformats.org/presentationml/2006/main">
   <p:cSld>
     <p:spTree>
@@ -36561,10 +36232,10 @@
       </p:grpSpPr>
       <p:sp>
         <p:nvSpPr>
-          <p:cNvPr id="4" name="Title 3">
+          <p:cNvPr id="2" name="Title 1">
             <a:extLst>
               <a:ext uri="{FF2B5EF4-FFF2-40B4-BE49-F238E27FC236}">
-                <a16:creationId xmlns:a16="http://schemas.microsoft.com/office/drawing/2014/main" id="{6B8B0631-49F7-8446-B9C9-208B1A7756A5}"/>
+                <a16:creationId xmlns:a16="http://schemas.microsoft.com/office/drawing/2014/main" id="{98CECB21-A8B9-2A46-8D25-BF35EDCD9A6A}"/>
               </a:ext>
             </a:extLst>
           </p:cNvPr>
@@ -36572,23 +36243,69 @@
             <a:spLocks noGrp="1"/>
           </p:cNvSpPr>
           <p:nvPr>
-            <p:ph type="title"/>
+            <p:ph type="ctrTitle"/>
+          </p:nvPr>
+        </p:nvSpPr>
+        <p:spPr/>
+        <p:txBody>
+          <a:bodyPr>
+            <a:normAutofit/>
+          </a:bodyPr>
+          <a:lstStyle/>
+          <a:p>
+            <a:r>
+              <a:rPr lang="en-US" sz="4000" b="1" dirty="0"/>
+              <a:t>Internet Censorship and Online Speech</a:t>
+            </a:r>
+            <a:br>
+              <a:rPr lang="en-US" sz="4000" dirty="0"/>
+            </a:br>
+            <a:r>
+              <a:rPr lang="en-US" sz="3600" dirty="0"/>
+              <a:t>Chapter 5.5: Decoy Routing</a:t>
+            </a:r>
+            <a:endParaRPr lang="en-US" sz="4000" dirty="0"/>
+          </a:p>
+        </p:txBody>
+      </p:sp>
+      <p:sp>
+        <p:nvSpPr>
+          <p:cNvPr id="3" name="Subtitle 2">
+            <a:extLst>
+              <a:ext uri="{FF2B5EF4-FFF2-40B4-BE49-F238E27FC236}">
+                <a16:creationId xmlns:a16="http://schemas.microsoft.com/office/drawing/2014/main" id="{F83BB962-F4CC-D04B-91FF-E298F75F47B3}"/>
+              </a:ext>
+            </a:extLst>
+          </p:cNvPr>
+          <p:cNvSpPr>
+            <a:spLocks noGrp="1"/>
+          </p:cNvSpPr>
+          <p:nvPr>
+            <p:ph type="subTitle" idx="1"/>
           </p:nvPr>
         </p:nvSpPr>
         <p:spPr>
           <a:xfrm>
-            <a:off x="838200" y="2011045"/>
-            <a:ext cx="10515600" cy="1325563"/>
+            <a:off x="1524000" y="4236352"/>
+            <a:ext cx="9144000" cy="1655762"/>
           </a:xfrm>
         </p:spPr>
         <p:txBody>
-          <a:bodyPr/>
+          <a:bodyPr>
+            <a:normAutofit/>
+          </a:bodyPr>
           <a:lstStyle/>
           <a:p>
-            <a:pPr algn="ctr"/>
-            <a:r>
-              <a:rPr lang="en-US" dirty="0"/>
-              <a:t>Decoy Routing</a:t>
+            <a:r>
+              <a:rPr lang="en-US" sz="3600" dirty="0"/>
+              <a:t>Nick Feamster</a:t>
+            </a:r>
+            <a:br>
+              <a:rPr lang="en-US" sz="3600" dirty="0"/>
+            </a:br>
+            <a:r>
+              <a:rPr lang="en-US" sz="3600" dirty="0"/>
+              <a:t>University of Chicago</a:t>
             </a:r>
           </a:p>
         </p:txBody>
@@ -36596,7 +36313,7 @@
     </p:spTree>
     <p:extLst>
       <p:ext uri="{BB962C8B-B14F-4D97-AF65-F5344CB8AC3E}">
-        <p14:creationId xmlns:p14="http://schemas.microsoft.com/office/powerpoint/2010/main" val="726201870"/>
+        <p14:creationId xmlns:p14="http://schemas.microsoft.com/office/powerpoint/2010/main" val="1060645606"/>
       </p:ext>
     </p:extLst>
   </p:cSld>
@@ -36606,7 +36323,117 @@
 </p:sld>
 </file>
 
-<file path=ppt/slides/slide52.xml><?xml version="1.0" encoding="utf-8"?>
+<file path=ppt/slides/slide5.xml><?xml version="1.0" encoding="utf-8"?>
+<p:sld xmlns:a="http://schemas.openxmlformats.org/drawingml/2006/main" xmlns:r="http://schemas.openxmlformats.org/officeDocument/2006/relationships" xmlns:p="http://schemas.openxmlformats.org/presentationml/2006/main">
+  <p:cSld>
+    <p:spTree>
+      <p:nvGrpSpPr>
+        <p:cNvPr id="1" name=""/>
+        <p:cNvGrpSpPr/>
+        <p:nvPr/>
+      </p:nvGrpSpPr>
+      <p:grpSpPr>
+        <a:xfrm>
+          <a:off x="0" y="0"/>
+          <a:ext cx="0" cy="0"/>
+          <a:chOff x="0" y="0"/>
+          <a:chExt cx="0" cy="0"/>
+        </a:xfrm>
+      </p:grpSpPr>
+      <p:sp>
+        <p:nvSpPr>
+          <p:cNvPr id="2" name="Title 1">
+            <a:extLst>
+              <a:ext uri="{FF2B5EF4-FFF2-40B4-BE49-F238E27FC236}">
+                <a16:creationId xmlns:a16="http://schemas.microsoft.com/office/drawing/2014/main" id="{98CECB21-A8B9-2A46-8D25-BF35EDCD9A6A}"/>
+              </a:ext>
+            </a:extLst>
+          </p:cNvPr>
+          <p:cNvSpPr>
+            <a:spLocks noGrp="1"/>
+          </p:cNvSpPr>
+          <p:nvPr>
+            <p:ph type="ctrTitle"/>
+          </p:nvPr>
+        </p:nvSpPr>
+        <p:spPr/>
+        <p:txBody>
+          <a:bodyPr>
+            <a:normAutofit/>
+          </a:bodyPr>
+          <a:lstStyle/>
+          <a:p>
+            <a:r>
+              <a:rPr lang="en-US" sz="4000" b="1" dirty="0"/>
+              <a:t>Internet Censorship and Online Speech</a:t>
+            </a:r>
+            <a:br>
+              <a:rPr lang="en-US" sz="4000" dirty="0"/>
+            </a:br>
+            <a:r>
+              <a:rPr lang="en-US" sz="3600" dirty="0"/>
+              <a:t>Chapter 5.2: Tor</a:t>
+            </a:r>
+            <a:endParaRPr lang="en-US" sz="4000" dirty="0"/>
+          </a:p>
+        </p:txBody>
+      </p:sp>
+      <p:sp>
+        <p:nvSpPr>
+          <p:cNvPr id="3" name="Subtitle 2">
+            <a:extLst>
+              <a:ext uri="{FF2B5EF4-FFF2-40B4-BE49-F238E27FC236}">
+                <a16:creationId xmlns:a16="http://schemas.microsoft.com/office/drawing/2014/main" id="{F83BB962-F4CC-D04B-91FF-E298F75F47B3}"/>
+              </a:ext>
+            </a:extLst>
+          </p:cNvPr>
+          <p:cNvSpPr>
+            <a:spLocks noGrp="1"/>
+          </p:cNvSpPr>
+          <p:nvPr>
+            <p:ph type="subTitle" idx="1"/>
+          </p:nvPr>
+        </p:nvSpPr>
+        <p:spPr>
+          <a:xfrm>
+            <a:off x="1524000" y="4236352"/>
+            <a:ext cx="9144000" cy="1655762"/>
+          </a:xfrm>
+        </p:spPr>
+        <p:txBody>
+          <a:bodyPr>
+            <a:normAutofit/>
+          </a:bodyPr>
+          <a:lstStyle/>
+          <a:p>
+            <a:r>
+              <a:rPr lang="en-US" sz="3600" dirty="0"/>
+              <a:t>Nick Feamster</a:t>
+            </a:r>
+            <a:br>
+              <a:rPr lang="en-US" sz="3600" dirty="0"/>
+            </a:br>
+            <a:r>
+              <a:rPr lang="en-US" sz="3600" dirty="0"/>
+              <a:t>University of Chicago</a:t>
+            </a:r>
+          </a:p>
+        </p:txBody>
+      </p:sp>
+    </p:spTree>
+    <p:extLst>
+      <p:ext uri="{BB962C8B-B14F-4D97-AF65-F5344CB8AC3E}">
+        <p14:creationId xmlns:p14="http://schemas.microsoft.com/office/powerpoint/2010/main" val="1686886322"/>
+      </p:ext>
+    </p:extLst>
+  </p:cSld>
+  <p:clrMapOvr>
+    <a:masterClrMapping/>
+  </p:clrMapOvr>
+</p:sld>
+</file>
+
+<file path=ppt/slides/slide50.xml><?xml version="1.0" encoding="utf-8"?>
 <p:sld xmlns:a="http://schemas.openxmlformats.org/drawingml/2006/main" xmlns:r="http://schemas.openxmlformats.org/officeDocument/2006/relationships" xmlns:p="http://schemas.openxmlformats.org/presentationml/2006/main">
   <p:cSld>
     <p:spTree>
@@ -36937,7 +36764,7 @@
 </p:sld>
 </file>
 
-<file path=ppt/slides/slide53.xml><?xml version="1.0" encoding="utf-8"?>
+<file path=ppt/slides/slide51.xml><?xml version="1.0" encoding="utf-8"?>
 <p:sld xmlns:a="http://schemas.openxmlformats.org/drawingml/2006/main" xmlns:r="http://schemas.openxmlformats.org/officeDocument/2006/relationships" xmlns:p="http://schemas.openxmlformats.org/presentationml/2006/main">
   <p:cSld>
     <p:spTree>
@@ -37033,7 +36860,7 @@
             <a:fld id="{435CCDBA-5714-4384-B958-769DA3F3F3B9}" type="slidenum">
               <a:rPr lang="en-US" smtClean="0"/>
               <a:pPr/>
-              <a:t>53</a:t>
+              <a:t>51</a:t>
             </a:fld>
             <a:endParaRPr lang="en-US"/>
           </a:p>
@@ -37101,7 +36928,7 @@
 </p:sld>
 </file>
 
-<file path=ppt/slides/slide54.xml><?xml version="1.0" encoding="utf-8"?>
+<file path=ppt/slides/slide52.xml><?xml version="1.0" encoding="utf-8"?>
 <p:sld xmlns:a="http://schemas.openxmlformats.org/drawingml/2006/main" xmlns:r="http://schemas.openxmlformats.org/officeDocument/2006/relationships" xmlns:p="http://schemas.openxmlformats.org/presentationml/2006/main">
   <p:cSld>
     <p:spTree>
@@ -39391,7 +39218,7 @@
 </p:sld>
 </file>
 
-<file path=ppt/slides/slide55.xml><?xml version="1.0" encoding="utf-8"?>
+<file path=ppt/slides/slide53.xml><?xml version="1.0" encoding="utf-8"?>
 <p:sld xmlns:a="http://schemas.openxmlformats.org/drawingml/2006/main" xmlns:r="http://schemas.openxmlformats.org/officeDocument/2006/relationships" xmlns:p="http://schemas.openxmlformats.org/presentationml/2006/main">
   <p:cSld>
     <p:spTree>
@@ -39511,7 +39338,7 @@
             <a:fld id="{435CCDBA-5714-4384-B958-769DA3F3F3B9}" type="slidenum">
               <a:rPr lang="en-US" smtClean="0"/>
               <a:pPr/>
-              <a:t>55</a:t>
+              <a:t>53</a:t>
             </a:fld>
             <a:endParaRPr lang="en-US" dirty="0"/>
           </a:p>
@@ -40338,7 +40165,7 @@
   <p:timing>
     <p:tnLst>
       <p:par>
-        <p:cTn id="1" dur="indefinite" nodeType="tmRoot">
+        <p:cTn id="1" dur="indefinite" restart="never" nodeType="tmRoot">
           <p:childTnLst>
             <p:seq concurrent="1" nextAc="seek">
               <p:cTn id="2" dur="indefinite" nodeType="mainSeq"/>
@@ -40958,7 +40785,7 @@
   <p:timing>
     <p:tnLst>
       <p:par>
-        <p:cTn id="1" dur="indefinite" nodeType="tmRoot">
+        <p:cTn id="1" dur="indefinite" restart="never" nodeType="tmRoot">
           <p:childTnLst>
             <p:seq concurrent="1" nextAc="seek">
               <p:cTn id="2" dur="indefinite" nodeType="mainSeq"/>
@@ -41546,7 +41373,7 @@
   <p:timing>
     <p:tnLst>
       <p:par>
-        <p:cTn id="1" dur="indefinite" nodeType="tmRoot">
+        <p:cTn id="1" dur="indefinite" restart="never" nodeType="tmRoot">
           <p:childTnLst>
             <p:seq concurrent="1" nextAc="seek">
               <p:cTn id="2" dur="indefinite" nodeType="mainSeq"/>
